--- a/Documents/lab Meetings/24-03-15/Polymer Reconstruction Using the HiC Experiments.pptx
+++ b/Documents/lab Meetings/24-03-15/Polymer Reconstruction Using the HiC Experiments.pptx
@@ -248,7 +248,7 @@
           <a:p>
             <a:fld id="{1B761F61-2ED9-454D-9C2F-80881C5F47F6}" type="datetimeFigureOut">
               <a:rPr lang="en-US" smtClean="0"/>
-              <a:t>3/20/2015</a:t>
+              <a:t>3/23/2015</a:t>
             </a:fld>
             <a:endParaRPr lang="en-US"/>
           </a:p>
@@ -418,7 +418,7 @@
           <a:p>
             <a:fld id="{1B761F61-2ED9-454D-9C2F-80881C5F47F6}" type="datetimeFigureOut">
               <a:rPr lang="en-US" smtClean="0"/>
-              <a:t>3/20/2015</a:t>
+              <a:t>3/23/2015</a:t>
             </a:fld>
             <a:endParaRPr lang="en-US"/>
           </a:p>
@@ -598,7 +598,7 @@
           <a:p>
             <a:fld id="{1B761F61-2ED9-454D-9C2F-80881C5F47F6}" type="datetimeFigureOut">
               <a:rPr lang="en-US" smtClean="0"/>
-              <a:t>3/20/2015</a:t>
+              <a:t>3/23/2015</a:t>
             </a:fld>
             <a:endParaRPr lang="en-US"/>
           </a:p>
@@ -768,7 +768,7 @@
           <a:p>
             <a:fld id="{1B761F61-2ED9-454D-9C2F-80881C5F47F6}" type="datetimeFigureOut">
               <a:rPr lang="en-US" smtClean="0"/>
-              <a:t>3/20/2015</a:t>
+              <a:t>3/23/2015</a:t>
             </a:fld>
             <a:endParaRPr lang="en-US"/>
           </a:p>
@@ -1014,7 +1014,7 @@
           <a:p>
             <a:fld id="{1B761F61-2ED9-454D-9C2F-80881C5F47F6}" type="datetimeFigureOut">
               <a:rPr lang="en-US" smtClean="0"/>
-              <a:t>3/20/2015</a:t>
+              <a:t>3/23/2015</a:t>
             </a:fld>
             <a:endParaRPr lang="en-US"/>
           </a:p>
@@ -1246,7 +1246,7 @@
           <a:p>
             <a:fld id="{1B761F61-2ED9-454D-9C2F-80881C5F47F6}" type="datetimeFigureOut">
               <a:rPr lang="en-US" smtClean="0"/>
-              <a:t>3/20/2015</a:t>
+              <a:t>3/23/2015</a:t>
             </a:fld>
             <a:endParaRPr lang="en-US"/>
           </a:p>
@@ -1613,7 +1613,7 @@
           <a:p>
             <a:fld id="{1B761F61-2ED9-454D-9C2F-80881C5F47F6}" type="datetimeFigureOut">
               <a:rPr lang="en-US" smtClean="0"/>
-              <a:t>3/20/2015</a:t>
+              <a:t>3/23/2015</a:t>
             </a:fld>
             <a:endParaRPr lang="en-US"/>
           </a:p>
@@ -1731,7 +1731,7 @@
           <a:p>
             <a:fld id="{1B761F61-2ED9-454D-9C2F-80881C5F47F6}" type="datetimeFigureOut">
               <a:rPr lang="en-US" smtClean="0"/>
-              <a:t>3/20/2015</a:t>
+              <a:t>3/23/2015</a:t>
             </a:fld>
             <a:endParaRPr lang="en-US"/>
           </a:p>
@@ -1826,7 +1826,7 @@
           <a:p>
             <a:fld id="{1B761F61-2ED9-454D-9C2F-80881C5F47F6}" type="datetimeFigureOut">
               <a:rPr lang="en-US" smtClean="0"/>
-              <a:t>3/20/2015</a:t>
+              <a:t>3/23/2015</a:t>
             </a:fld>
             <a:endParaRPr lang="en-US"/>
           </a:p>
@@ -2103,7 +2103,7 @@
           <a:p>
             <a:fld id="{1B761F61-2ED9-454D-9C2F-80881C5F47F6}" type="datetimeFigureOut">
               <a:rPr lang="en-US" smtClean="0"/>
-              <a:t>3/20/2015</a:t>
+              <a:t>3/23/2015</a:t>
             </a:fld>
             <a:endParaRPr lang="en-US"/>
           </a:p>
@@ -2356,7 +2356,7 @@
           <a:p>
             <a:fld id="{1B761F61-2ED9-454D-9C2F-80881C5F47F6}" type="datetimeFigureOut">
               <a:rPr lang="en-US" smtClean="0"/>
-              <a:t>3/20/2015</a:t>
+              <a:t>3/23/2015</a:t>
             </a:fld>
             <a:endParaRPr lang="en-US"/>
           </a:p>
@@ -2569,7 +2569,7 @@
           <a:p>
             <a:fld id="{1B761F61-2ED9-454D-9C2F-80881C5F47F6}" type="datetimeFigureOut">
               <a:rPr lang="en-US" smtClean="0"/>
-              <a:t>3/20/2015</a:t>
+              <a:t>3/23/2015</a:t>
             </a:fld>
             <a:endParaRPr lang="en-US"/>
           </a:p>
@@ -3538,8 +3538,8 @@
           </a:p>
         </p:txBody>
       </p:sp>
-      <mc:AlternateContent xmlns:mc="http://schemas.openxmlformats.org/markup-compatibility/2006">
-        <mc:Choice xmlns:a14="http://schemas.microsoft.com/office/drawing/2010/main" Requires="a14">
+      <mc:AlternateContent xmlns:mc="http://schemas.openxmlformats.org/markup-compatibility/2006" xmlns:a14="http://schemas.microsoft.com/office/drawing/2010/main">
+        <mc:Choice Requires="a14">
           <p:sp>
             <p:nvSpPr>
               <p:cNvPr id="19" name="TextBox 18"/>
@@ -3562,6 +3562,7 @@
               </a:bodyPr>
               <a:lstStyle/>
               <a:p>
+                <a:pPr/>
                 <a14:m>
                   <m:oMathPara xmlns:m="http://schemas.openxmlformats.org/officeDocument/2006/math">
                     <m:oMathParaPr>
@@ -3677,7 +3678,7 @@
             </p:txBody>
           </p:sp>
         </mc:Choice>
-        <mc:Fallback>
+        <mc:Fallback xmlns="">
           <p:sp>
             <p:nvSpPr>
               <p:cNvPr id="19" name="TextBox 18"/>
@@ -3716,8 +3717,8 @@
           </p:sp>
         </mc:Fallback>
       </mc:AlternateContent>
-      <mc:AlternateContent xmlns:mc="http://schemas.openxmlformats.org/markup-compatibility/2006">
-        <mc:Choice xmlns:a14="http://schemas.microsoft.com/office/drawing/2010/main" Requires="a14">
+      <mc:AlternateContent xmlns:mc="http://schemas.openxmlformats.org/markup-compatibility/2006" xmlns:a14="http://schemas.microsoft.com/office/drawing/2010/main">
+        <mc:Choice Requires="a14">
           <p:sp>
             <p:nvSpPr>
               <p:cNvPr id="20" name="TextBox 19"/>
@@ -3756,7 +3757,25 @@
                       <a:rPr lang="en-US" b="0" i="1" smtClean="0">
                         <a:latin typeface="Cambria Math" panose="02040503050406030204" pitchFamily="18" charset="0"/>
                       </a:rPr>
-                      <m:t>=0.5</m:t>
+                      <m:t>=</m:t>
+                    </m:r>
+                    <m:r>
+                      <a:rPr lang="en-US" b="0" i="1" smtClean="0">
+                        <a:latin typeface="Cambria Math" panose="02040503050406030204" pitchFamily="18" charset="0"/>
+                      </a:rPr>
+                      <m:t>0</m:t>
+                    </m:r>
+                    <m:r>
+                      <a:rPr lang="en-US" b="0" i="1" smtClean="0">
+                        <a:latin typeface="Cambria Math" panose="02040503050406030204" pitchFamily="18" charset="0"/>
+                      </a:rPr>
+                      <m:t>.</m:t>
+                    </m:r>
+                    <m:r>
+                      <a:rPr lang="en-US" b="0" i="1" smtClean="0">
+                        <a:latin typeface="Cambria Math" panose="02040503050406030204" pitchFamily="18" charset="0"/>
+                      </a:rPr>
+                      <m:t>5</m:t>
                     </m:r>
                   </m:oMath>
                 </a14:m>
@@ -3771,7 +3790,7 @@
             </p:txBody>
           </p:sp>
         </mc:Choice>
-        <mc:Fallback>
+        <mc:Fallback xmlns="">
           <p:sp>
             <p:nvSpPr>
               <p:cNvPr id="20" name="TextBox 19"/>
@@ -3942,7 +3961,13 @@
                               <a:rPr lang="en-US" b="0" i="1" smtClean="0">
                                 <a:latin typeface="Cambria Math" panose="02040503050406030204" pitchFamily="18" charset="0"/>
                               </a:rPr>
-                              <m:t>1,   </m:t>
+                              <m:t>1</m:t>
+                            </m:r>
+                            <m:r>
+                              <a:rPr lang="en-US" b="0" i="1" smtClean="0">
+                                <a:latin typeface="Cambria Math" panose="02040503050406030204" pitchFamily="18" charset="0"/>
+                              </a:rPr>
+                              <m:t>,   </m:t>
                             </m:r>
                             <m:r>
                               <a:rPr lang="en-US" b="0" i="1" smtClean="0">
@@ -3954,7 +3979,13 @@
                               <a:rPr lang="en-US" b="0" i="1" smtClean="0">
                                 <a:latin typeface="Cambria Math" panose="02040503050406030204" pitchFamily="18" charset="0"/>
                               </a:rPr>
-                              <m:t>=0.5</m:t>
+                              <m:t>=</m:t>
+                            </m:r>
+                            <m:r>
+                              <a:rPr lang="en-US" b="0" i="1" smtClean="0">
+                                <a:latin typeface="Cambria Math" panose="02040503050406030204" pitchFamily="18" charset="0"/>
+                              </a:rPr>
+                              <m:t>0</m:t>
                             </m:r>
                           </m:e>
                           <m:e>
@@ -3962,7 +3993,13 @@
                               <a:rPr lang="en-US" b="0" i="1" smtClean="0">
                                 <a:latin typeface="Cambria Math" panose="02040503050406030204" pitchFamily="18" charset="0"/>
                               </a:rPr>
-                              <m:t>0,       </m:t>
+                              <m:t>0</m:t>
+                            </m:r>
+                            <m:r>
+                              <a:rPr lang="en-US" b="0" i="1" smtClean="0">
+                                <a:latin typeface="Cambria Math" panose="02040503050406030204" pitchFamily="18" charset="0"/>
+                              </a:rPr>
+                              <m:t>,       </m:t>
                             </m:r>
                             <m:r>
                               <a:rPr lang="en-US" b="0" i="1" smtClean="0">
@@ -3993,6 +4030,7 @@
                 </a:endParaRPr>
               </a:p>
               <a:p>
+                <a:pPr/>
                 <a14:m>
                   <m:oMathPara xmlns:m="http://schemas.openxmlformats.org/officeDocument/2006/math">
                     <m:oMathParaPr>
@@ -4000,17 +4038,16 @@
                     </m:oMathParaPr>
                     <m:oMath xmlns:m="http://schemas.openxmlformats.org/officeDocument/2006/math">
                       <m:r>
-                        <a:rPr lang="en-US" i="1">
+                        <a:rPr lang="en-US" b="0" i="1" smtClean="0">
                           <a:latin typeface="Cambria Math" panose="02040503050406030204" pitchFamily="18" charset="0"/>
                         </a:rPr>
                         <m:t>𝛼</m:t>
                       </m:r>
                       <m:r>
-                        <a:rPr lang="en-US" i="1">
+                        <a:rPr lang="en-US" b="0" i="1" smtClean="0">
                           <a:latin typeface="Cambria Math" panose="02040503050406030204" pitchFamily="18" charset="0"/>
-                          <a:ea typeface="Cambria Math" panose="02040503050406030204" pitchFamily="18" charset="0"/>
                         </a:rPr>
-                        <m:t>≪</m:t>
+                        <m:t>=−</m:t>
                       </m:r>
                       <m:r>
                         <a:rPr lang="en-US" i="1">
@@ -4052,7 +4089,13 @@
                           <a:rPr lang="en-US" b="0" i="1" smtClean="0">
                             <a:latin typeface="Cambria Math" panose="02040503050406030204" pitchFamily="18" charset="0"/>
                           </a:rPr>
-                          <m:t>0,</m:t>
+                          <m:t>0</m:t>
+                        </m:r>
+                        <m:r>
+                          <a:rPr lang="en-US" b="0" i="1" smtClean="0">
+                            <a:latin typeface="Cambria Math" panose="02040503050406030204" pitchFamily="18" charset="0"/>
+                          </a:rPr>
+                          <m:t>,</m:t>
                         </m:r>
                         <m:r>
                           <a:rPr lang="en-US" b="0" i="1" smtClean="0">
@@ -4087,7 +4130,13 @@
                           <a:rPr lang="en-US" b="0" i="1" smtClean="0">
                             <a:latin typeface="Cambria Math" panose="02040503050406030204" pitchFamily="18" charset="0"/>
                           </a:rPr>
-                          <m:t>1,</m:t>
+                          <m:t>1</m:t>
+                        </m:r>
+                        <m:r>
+                          <a:rPr lang="en-US" b="0" i="1" smtClean="0">
+                            <a:latin typeface="Cambria Math" panose="02040503050406030204" pitchFamily="18" charset="0"/>
+                          </a:rPr>
+                          <m:t>,</m:t>
                         </m:r>
                         <m:r>
                           <a:rPr lang="en-US" b="0" i="1" smtClean="0">
@@ -4141,7 +4190,13 @@
                           <a:rPr lang="en-US" b="0" i="1" smtClean="0">
                             <a:latin typeface="Cambria Math" panose="02040503050406030204" pitchFamily="18" charset="0"/>
                           </a:rPr>
-                          <m:t>0,</m:t>
+                          <m:t>0</m:t>
+                        </m:r>
+                        <m:r>
+                          <a:rPr lang="en-US" b="0" i="1" smtClean="0">
+                            <a:latin typeface="Cambria Math" panose="02040503050406030204" pitchFamily="18" charset="0"/>
+                          </a:rPr>
+                          <m:t>,</m:t>
                         </m:r>
                         <m:r>
                           <a:rPr lang="en-US" b="0" i="1" smtClean="0">
@@ -4182,7 +4237,13 @@
                           <a:rPr lang="en-US" b="0" i="1" smtClean="0">
                             <a:latin typeface="Cambria Math" panose="02040503050406030204" pitchFamily="18" charset="0"/>
                           </a:rPr>
-                          <m:t>0,</m:t>
+                          <m:t>0</m:t>
+                        </m:r>
+                        <m:r>
+                          <a:rPr lang="en-US" b="0" i="1" smtClean="0">
+                            <a:latin typeface="Cambria Math" panose="02040503050406030204" pitchFamily="18" charset="0"/>
+                          </a:rPr>
+                          <m:t>,</m:t>
                         </m:r>
                         <m:r>
                           <a:rPr lang="en-US" b="0" i="1" smtClean="0">
@@ -4196,7 +4257,13 @@
                       <a:rPr lang="en-US" b="0" i="1" smtClean="0">
                         <a:latin typeface="Cambria Math" panose="02040503050406030204" pitchFamily="18" charset="0"/>
                       </a:rPr>
-                      <m:t>=0</m:t>
+                      <m:t>=</m:t>
+                    </m:r>
+                    <m:r>
+                      <a:rPr lang="en-US" b="0" i="1" smtClean="0">
+                        <a:latin typeface="Cambria Math" panose="02040503050406030204" pitchFamily="18" charset="0"/>
+                      </a:rPr>
+                      <m:t>0</m:t>
                     </m:r>
                   </m:oMath>
                 </a14:m>
@@ -4238,7 +4305,7 @@
               <a:lstStyle/>
               <a:p>
                 <a:r>
-                  <a:rPr lang="en-US">
+                  <a:rPr lang="he-IL">
                     <a:noFill/>
                   </a:rPr>
                   <a:t> </a:t>
@@ -4330,8 +4397,8 @@
           </a:fontRef>
         </p:style>
       </p:cxnSp>
-      <mc:AlternateContent xmlns:mc="http://schemas.openxmlformats.org/markup-compatibility/2006">
-        <mc:Choice xmlns:a14="http://schemas.microsoft.com/office/drawing/2010/main" Requires="a14">
+      <mc:AlternateContent xmlns:mc="http://schemas.openxmlformats.org/markup-compatibility/2006" xmlns:a14="http://schemas.microsoft.com/office/drawing/2010/main">
+        <mc:Choice Requires="a14">
           <p:sp>
             <p:nvSpPr>
               <p:cNvPr id="29" name="TextBox 28"/>
@@ -4354,6 +4421,7 @@
               </a:bodyPr>
               <a:lstStyle/>
               <a:p>
+                <a:pPr/>
                 <a14:m>
                   <m:oMathPara xmlns:m="http://schemas.openxmlformats.org/officeDocument/2006/math">
                     <m:oMathParaPr>
@@ -4382,7 +4450,19 @@
                         <a:rPr lang="en-US" b="0" i="1" smtClean="0">
                           <a:latin typeface="Cambria Math" panose="02040503050406030204" pitchFamily="18" charset="0"/>
                         </a:rPr>
-                        <m:t>,0)</m:t>
+                        <m:t>,</m:t>
+                      </m:r>
+                      <m:r>
+                        <a:rPr lang="en-US" b="0" i="1" smtClean="0">
+                          <a:latin typeface="Cambria Math" panose="02040503050406030204" pitchFamily="18" charset="0"/>
+                        </a:rPr>
+                        <m:t>0</m:t>
+                      </m:r>
+                      <m:r>
+                        <a:rPr lang="en-US" b="0" i="1" smtClean="0">
+                          <a:latin typeface="Cambria Math" panose="02040503050406030204" pitchFamily="18" charset="0"/>
+                        </a:rPr>
+                        <m:t>)</m:t>
                       </m:r>
                     </m:oMath>
                   </m:oMathPara>
@@ -4392,7 +4472,7 @@
             </p:txBody>
           </p:sp>
         </mc:Choice>
-        <mc:Fallback>
+        <mc:Fallback xmlns="">
           <p:sp>
             <p:nvSpPr>
               <p:cNvPr id="29" name="TextBox 28"/>
@@ -5604,8 +5684,8 @@
           </a:fontRef>
         </p:style>
       </p:cxnSp>
-      <mc:AlternateContent xmlns:mc="http://schemas.openxmlformats.org/markup-compatibility/2006">
-        <mc:Choice xmlns:a14="http://schemas.microsoft.com/office/drawing/2010/main" Requires="a14">
+      <mc:AlternateContent xmlns:mc="http://schemas.openxmlformats.org/markup-compatibility/2006" xmlns:a14="http://schemas.microsoft.com/office/drawing/2010/main">
+        <mc:Choice Requires="a14">
           <p:sp>
             <p:nvSpPr>
               <p:cNvPr id="109" name="TextBox 108"/>
@@ -5628,6 +5708,7 @@
               </a:bodyPr>
               <a:lstStyle/>
               <a:p>
+                <a:pPr/>
                 <a14:m>
                   <m:oMathPara xmlns:m="http://schemas.openxmlformats.org/officeDocument/2006/math">
                     <m:oMathParaPr>
@@ -5653,7 +5734,13 @@
                             <a:rPr lang="en-US" b="0" i="1" smtClean="0">
                               <a:latin typeface="Cambria Math" panose="02040503050406030204" pitchFamily="18" charset="0"/>
                             </a:rPr>
-                            <m:t>0,</m:t>
+                            <m:t>0</m:t>
+                          </m:r>
+                          <m:r>
+                            <a:rPr lang="en-US" b="0" i="1" smtClean="0">
+                              <a:latin typeface="Cambria Math" panose="02040503050406030204" pitchFamily="18" charset="0"/>
+                            </a:rPr>
+                            <m:t>,</m:t>
                           </m:r>
                           <m:r>
                             <a:rPr lang="en-US" b="0" i="1" smtClean="0">
@@ -5667,7 +5754,13 @@
                         <a:rPr lang="en-US" b="0" i="1" smtClean="0">
                           <a:latin typeface="Cambria Math" panose="02040503050406030204" pitchFamily="18" charset="0"/>
                         </a:rPr>
-                        <m:t>=0</m:t>
+                        <m:t>=</m:t>
+                      </m:r>
+                      <m:r>
+                        <a:rPr lang="en-US" b="0" i="1" smtClean="0">
+                          <a:latin typeface="Cambria Math" panose="02040503050406030204" pitchFamily="18" charset="0"/>
+                        </a:rPr>
+                        <m:t>0</m:t>
                       </m:r>
                     </m:oMath>
                   </m:oMathPara>
@@ -5675,6 +5768,7 @@
                 <a:endParaRPr lang="en-US" b="0" dirty="0" smtClean="0"/>
               </a:p>
               <a:p>
+                <a:pPr/>
                 <a14:m>
                   <m:oMathPara xmlns:m="http://schemas.openxmlformats.org/officeDocument/2006/math">
                     <m:oMathParaPr>
@@ -5719,7 +5813,13 @@
                             <a:rPr lang="en-US" b="0" i="1" smtClean="0">
                               <a:latin typeface="Cambria Math" panose="02040503050406030204" pitchFamily="18" charset="0"/>
                             </a:rPr>
-                            <m:t>0,</m:t>
+                            <m:t>0</m:t>
+                          </m:r>
+                          <m:r>
+                            <a:rPr lang="en-US" b="0" i="1" smtClean="0">
+                              <a:latin typeface="Cambria Math" panose="02040503050406030204" pitchFamily="18" charset="0"/>
+                            </a:rPr>
+                            <m:t>,</m:t>
                           </m:r>
                           <m:r>
                             <a:rPr lang="en-US" b="0" i="1" smtClean="0">
@@ -5733,7 +5833,13 @@
                         <a:rPr lang="en-US" b="0" i="1" smtClean="0">
                           <a:latin typeface="Cambria Math" panose="02040503050406030204" pitchFamily="18" charset="0"/>
                         </a:rPr>
-                        <m:t>=0</m:t>
+                        <m:t>=</m:t>
+                      </m:r>
+                      <m:r>
+                        <a:rPr lang="en-US" b="0" i="1" smtClean="0">
+                          <a:latin typeface="Cambria Math" panose="02040503050406030204" pitchFamily="18" charset="0"/>
+                        </a:rPr>
+                        <m:t>0</m:t>
                       </m:r>
                     </m:oMath>
                   </m:oMathPara>
@@ -5743,7 +5849,7 @@
             </p:txBody>
           </p:sp>
         </mc:Choice>
-        <mc:Fallback>
+        <mc:Fallback xmlns="">
           <p:sp>
             <p:nvSpPr>
               <p:cNvPr id="109" name="TextBox 108"/>
@@ -5782,8 +5888,8 @@
           </p:sp>
         </mc:Fallback>
       </mc:AlternateContent>
-      <mc:AlternateContent xmlns:mc="http://schemas.openxmlformats.org/markup-compatibility/2006">
-        <mc:Choice xmlns:a14="http://schemas.microsoft.com/office/drawing/2010/main" Requires="a14">
+      <mc:AlternateContent xmlns:mc="http://schemas.openxmlformats.org/markup-compatibility/2006" xmlns:a14="http://schemas.microsoft.com/office/drawing/2010/main">
+        <mc:Choice Requires="a14">
           <p:sp>
             <p:nvSpPr>
               <p:cNvPr id="110" name="TextBox 109"/>
@@ -5806,6 +5912,7 @@
               </a:bodyPr>
               <a:lstStyle/>
               <a:p>
+                <a:pPr/>
                 <a14:m>
                   <m:oMathPara xmlns:m="http://schemas.openxmlformats.org/officeDocument/2006/math">
                     <m:oMathParaPr>
@@ -5851,7 +5958,13 @@
                         <a:rPr lang="en-US" b="0" i="1" smtClean="0">
                           <a:latin typeface="Cambria Math" panose="02040503050406030204" pitchFamily="18" charset="0"/>
                         </a:rPr>
-                        <m:t>=0</m:t>
+                        <m:t>=</m:t>
+                      </m:r>
+                      <m:r>
+                        <a:rPr lang="en-US" b="0" i="1" smtClean="0">
+                          <a:latin typeface="Cambria Math" panose="02040503050406030204" pitchFamily="18" charset="0"/>
+                        </a:rPr>
+                        <m:t>0</m:t>
                       </m:r>
                     </m:oMath>
                   </m:oMathPara>
@@ -5861,7 +5974,7 @@
             </p:txBody>
           </p:sp>
         </mc:Choice>
-        <mc:Fallback>
+        <mc:Fallback xmlns="">
           <p:sp>
             <p:nvSpPr>
               <p:cNvPr id="110" name="TextBox 109"/>

--- a/Documents/lab Meetings/24-03-15/Polymer Reconstruction Using the HiC Experiments.pptx
+++ b/Documents/lab Meetings/24-03-15/Polymer Reconstruction Using the HiC Experiments.pptx
@@ -5,7 +5,7 @@
     <p:sldMasterId id="2147483648" r:id="rId1"/>
   </p:sldMasterIdLst>
   <p:notesMasterIdLst>
-    <p:notesMasterId r:id="rId17"/>
+    <p:notesMasterId r:id="rId19"/>
   </p:notesMasterIdLst>
   <p:sldIdLst>
     <p:sldId id="256" r:id="rId2"/>
@@ -15,14 +15,16 @@
     <p:sldId id="265" r:id="rId6"/>
     <p:sldId id="267" r:id="rId7"/>
     <p:sldId id="258" r:id="rId8"/>
-    <p:sldId id="264" r:id="rId9"/>
-    <p:sldId id="268" r:id="rId10"/>
-    <p:sldId id="257" r:id="rId11"/>
-    <p:sldId id="271" r:id="rId12"/>
-    <p:sldId id="261" r:id="rId13"/>
-    <p:sldId id="269" r:id="rId14"/>
-    <p:sldId id="272" r:id="rId15"/>
-    <p:sldId id="270" r:id="rId16"/>
+    <p:sldId id="274" r:id="rId9"/>
+    <p:sldId id="264" r:id="rId10"/>
+    <p:sldId id="268" r:id="rId11"/>
+    <p:sldId id="257" r:id="rId12"/>
+    <p:sldId id="271" r:id="rId13"/>
+    <p:sldId id="261" r:id="rId14"/>
+    <p:sldId id="269" r:id="rId15"/>
+    <p:sldId id="272" r:id="rId16"/>
+    <p:sldId id="270" r:id="rId17"/>
+    <p:sldId id="273" r:id="rId18"/>
   </p:sldIdLst>
   <p:sldSz cx="12192000" cy="6858000"/>
   <p:notesSz cx="6858000" cy="9144000"/>
@@ -211,7 +213,7 @@
           <a:p>
             <a:fld id="{E0FE5D5B-587B-4581-AEA8-8E113C00EEA0}" type="datetimeFigureOut">
               <a:rPr lang="en-US" smtClean="0"/>
-              <a:t>3/23/2015</a:t>
+              <a:t>3/24/2015</a:t>
             </a:fld>
             <a:endParaRPr lang="en-US"/>
           </a:p>
@@ -694,7 +696,7 @@
           <a:p>
             <a:fld id="{D84809A4-190E-42D1-9AF1-774BCE0BEDF8}" type="datetime1">
               <a:rPr lang="en-US" smtClean="0"/>
-              <a:t>3/23/2015</a:t>
+              <a:t>3/24/2015</a:t>
             </a:fld>
             <a:endParaRPr lang="en-US"/>
           </a:p>
@@ -864,7 +866,7 @@
           <a:p>
             <a:fld id="{AF128690-FB5E-4532-8E16-75A2C426D311}" type="datetime1">
               <a:rPr lang="en-US" smtClean="0"/>
-              <a:t>3/23/2015</a:t>
+              <a:t>3/24/2015</a:t>
             </a:fld>
             <a:endParaRPr lang="en-US"/>
           </a:p>
@@ -1044,7 +1046,7 @@
           <a:p>
             <a:fld id="{F82BA667-2BDB-43BD-BBCB-B6CA9A649AF1}" type="datetime1">
               <a:rPr lang="en-US" smtClean="0"/>
-              <a:t>3/23/2015</a:t>
+              <a:t>3/24/2015</a:t>
             </a:fld>
             <a:endParaRPr lang="en-US"/>
           </a:p>
@@ -1214,7 +1216,7 @@
           <a:p>
             <a:fld id="{FC928A84-5BD5-4DF7-BFE1-B888DEF3DC30}" type="datetime1">
               <a:rPr lang="en-US" smtClean="0"/>
-              <a:t>3/23/2015</a:t>
+              <a:t>3/24/2015</a:t>
             </a:fld>
             <a:endParaRPr lang="en-US"/>
           </a:p>
@@ -1460,7 +1462,7 @@
           <a:p>
             <a:fld id="{230AD9DC-FE76-4936-9314-AAB5DC4C605F}" type="datetime1">
               <a:rPr lang="en-US" smtClean="0"/>
-              <a:t>3/23/2015</a:t>
+              <a:t>3/24/2015</a:t>
             </a:fld>
             <a:endParaRPr lang="en-US"/>
           </a:p>
@@ -1692,7 +1694,7 @@
           <a:p>
             <a:fld id="{FF2EA2A6-0CC8-474E-9CE7-EA1DBB387357}" type="datetime1">
               <a:rPr lang="en-US" smtClean="0"/>
-              <a:t>3/23/2015</a:t>
+              <a:t>3/24/2015</a:t>
             </a:fld>
             <a:endParaRPr lang="en-US"/>
           </a:p>
@@ -2059,7 +2061,7 @@
           <a:p>
             <a:fld id="{90DB74A0-FA13-4A38-B257-8B72E1EB478E}" type="datetime1">
               <a:rPr lang="en-US" smtClean="0"/>
-              <a:t>3/23/2015</a:t>
+              <a:t>3/24/2015</a:t>
             </a:fld>
             <a:endParaRPr lang="en-US"/>
           </a:p>
@@ -2177,7 +2179,7 @@
           <a:p>
             <a:fld id="{AD273C85-579C-438A-9081-E901B75DC7DC}" type="datetime1">
               <a:rPr lang="en-US" smtClean="0"/>
-              <a:t>3/23/2015</a:t>
+              <a:t>3/24/2015</a:t>
             </a:fld>
             <a:endParaRPr lang="en-US"/>
           </a:p>
@@ -2272,7 +2274,7 @@
           <a:p>
             <a:fld id="{60BF505E-E5B1-443B-9894-F91E6843D388}" type="datetime1">
               <a:rPr lang="en-US" smtClean="0"/>
-              <a:t>3/23/2015</a:t>
+              <a:t>3/24/2015</a:t>
             </a:fld>
             <a:endParaRPr lang="en-US"/>
           </a:p>
@@ -2549,7 +2551,7 @@
           <a:p>
             <a:fld id="{1A7AA00E-1557-4962-9DBD-40E49B94CC2D}" type="datetime1">
               <a:rPr lang="en-US" smtClean="0"/>
-              <a:t>3/23/2015</a:t>
+              <a:t>3/24/2015</a:t>
             </a:fld>
             <a:endParaRPr lang="en-US"/>
           </a:p>
@@ -2802,7 +2804,7 @@
           <a:p>
             <a:fld id="{99BB7AB9-41DA-453D-B46A-1B5BB23D73C9}" type="datetime1">
               <a:rPr lang="en-US" smtClean="0"/>
-              <a:t>3/23/2015</a:t>
+              <a:t>3/24/2015</a:t>
             </a:fld>
             <a:endParaRPr lang="en-US"/>
           </a:p>
@@ -3015,7 +3017,7 @@
           <a:p>
             <a:fld id="{265C3A94-0DB9-4B0F-B23F-9E75708A3C57}" type="datetime1">
               <a:rPr lang="en-US" smtClean="0"/>
-              <a:t>3/23/2015</a:t>
+              <a:t>3/24/2015</a:t>
             </a:fld>
             <a:endParaRPr lang="en-US"/>
           </a:p>
@@ -3440,11 +3442,7 @@
           <a:p>
             <a:r>
               <a:rPr lang="en-US" dirty="0" smtClean="0"/>
-              <a:t>Reconstruction of </a:t>
-            </a:r>
-            <a:r>
-              <a:rPr lang="en-US" dirty="0" smtClean="0"/>
-              <a:t>chromosome’s local structure using </a:t>
+              <a:t>Reconstruction of chromosome’s local structure using </a:t>
             </a:r>
             <a:r>
               <a:rPr lang="en-US" dirty="0" err="1" smtClean="0"/>
@@ -3522,6 +3520,216 @@
 </file>
 
 <file path=ppt/slides/slide10.xml><?xml version="1.0" encoding="utf-8"?>
+<p:sld xmlns:a="http://schemas.openxmlformats.org/drawingml/2006/main" xmlns:r="http://schemas.openxmlformats.org/officeDocument/2006/relationships" xmlns:p="http://schemas.openxmlformats.org/presentationml/2006/main">
+  <p:cSld>
+    <p:spTree>
+      <p:nvGrpSpPr>
+        <p:cNvPr id="1" name=""/>
+        <p:cNvGrpSpPr/>
+        <p:nvPr/>
+      </p:nvGrpSpPr>
+      <p:grpSpPr>
+        <a:xfrm>
+          <a:off x="0" y="0"/>
+          <a:ext cx="0" cy="0"/>
+          <a:chOff x="0" y="0"/>
+          <a:chExt cx="0" cy="0"/>
+        </a:xfrm>
+      </p:grpSpPr>
+      <p:sp>
+        <p:nvSpPr>
+          <p:cNvPr id="2" name="Title 1"/>
+          <p:cNvSpPr>
+            <a:spLocks noGrp="1"/>
+          </p:cNvSpPr>
+          <p:nvPr>
+            <p:ph type="title"/>
+          </p:nvPr>
+        </p:nvSpPr>
+        <p:spPr>
+          <a:xfrm>
+            <a:off x="609600" y="187325"/>
+            <a:ext cx="10515600" cy="1184275"/>
+          </a:xfrm>
+        </p:spPr>
+        <p:txBody>
+          <a:bodyPr/>
+          <a:lstStyle/>
+          <a:p>
+            <a:pPr algn="ctr"/>
+            <a:r>
+              <a:rPr lang="en-US" dirty="0" smtClean="0"/>
+              <a:t>Noisy encounter signal</a:t>
+            </a:r>
+            <a:endParaRPr lang="en-US" dirty="0"/>
+          </a:p>
+        </p:txBody>
+      </p:sp>
+      <p:sp>
+        <p:nvSpPr>
+          <p:cNvPr id="3" name="Content Placeholder 2"/>
+          <p:cNvSpPr>
+            <a:spLocks noGrp="1"/>
+          </p:cNvSpPr>
+          <p:nvPr>
+            <p:ph idx="1"/>
+          </p:nvPr>
+        </p:nvSpPr>
+        <p:spPr>
+          <a:xfrm>
+            <a:off x="609600" y="1371600"/>
+            <a:ext cx="10515600" cy="4351338"/>
+          </a:xfrm>
+        </p:spPr>
+        <p:txBody>
+          <a:bodyPr/>
+          <a:lstStyle/>
+          <a:p>
+            <a:r>
+              <a:rPr lang="en-US" dirty="0" smtClean="0"/>
+              <a:t>Experimental signal are not “well behaved”.</a:t>
+            </a:r>
+          </a:p>
+          <a:p>
+            <a:r>
+              <a:rPr lang="en-US" dirty="0" smtClean="0"/>
+              <a:t>Missing observations for some beads</a:t>
+            </a:r>
+          </a:p>
+          <a:p>
+            <a:r>
+              <a:rPr lang="en-US" dirty="0" smtClean="0"/>
+              <a:t>Under </a:t>
+            </a:r>
+            <a:r>
+              <a:rPr lang="en-US" dirty="0"/>
+              <a:t>Rouse </a:t>
+            </a:r>
+            <a:r>
+              <a:rPr lang="en-US" dirty="0" smtClean="0"/>
+              <a:t>assumption, the </a:t>
+            </a:r>
+            <a:r>
+              <a:rPr lang="en-US" dirty="0" smtClean="0"/>
+              <a:t>distribution of vectors between beads is the fundamental solution to the diffusion (heat) </a:t>
+            </a:r>
+            <a:r>
+              <a:rPr lang="en-US" dirty="0" smtClean="0"/>
+              <a:t>equation</a:t>
+            </a:r>
+            <a:r>
+              <a:rPr lang="en-US" dirty="0"/>
+              <a:t>;</a:t>
+            </a:r>
+            <a:r>
+              <a:rPr lang="en-US" dirty="0" smtClean="0"/>
+              <a:t> </a:t>
+            </a:r>
+          </a:p>
+          <a:p>
+            <a:r>
+              <a:rPr lang="en-US" dirty="0" smtClean="0"/>
+              <a:t>The composition of fundamental solution is unknown;</a:t>
+            </a:r>
+          </a:p>
+          <a:p>
+            <a:r>
+              <a:rPr lang="en-US" dirty="0" smtClean="0"/>
+              <a:t>A </a:t>
+            </a:r>
+            <a:r>
+              <a:rPr lang="en-US" dirty="0" smtClean="0"/>
+              <a:t>theoretical heat source function will help us find it.</a:t>
+            </a:r>
+          </a:p>
+          <a:p>
+            <a:endParaRPr lang="en-US" dirty="0" smtClean="0"/>
+          </a:p>
+          <a:p>
+            <a:endParaRPr lang="en-US" dirty="0" smtClean="0"/>
+          </a:p>
+          <a:p>
+            <a:endParaRPr lang="en-US" dirty="0" smtClean="0"/>
+          </a:p>
+          <a:p>
+            <a:endParaRPr lang="en-US" dirty="0"/>
+          </a:p>
+        </p:txBody>
+      </p:sp>
+      <p:sp>
+        <p:nvSpPr>
+          <p:cNvPr id="4" name="Slide Number Placeholder 3"/>
+          <p:cNvSpPr>
+            <a:spLocks noGrp="1"/>
+          </p:cNvSpPr>
+          <p:nvPr>
+            <p:ph type="sldNum" sz="quarter" idx="12"/>
+          </p:nvPr>
+        </p:nvSpPr>
+        <p:spPr/>
+        <p:txBody>
+          <a:bodyPr/>
+          <a:lstStyle/>
+          <a:p>
+            <a:fld id="{5885E35D-D03C-4A4E-A650-32C42C5321BC}" type="slidenum">
+              <a:rPr lang="en-US" smtClean="0"/>
+              <a:t>10</a:t>
+            </a:fld>
+            <a:endParaRPr lang="en-US" dirty="0"/>
+          </a:p>
+        </p:txBody>
+      </p:sp>
+      <p:pic>
+        <p:nvPicPr>
+          <p:cNvPr id="5" name="Picture 4"/>
+          <p:cNvPicPr>
+            <a:picLocks noChangeAspect="1"/>
+          </p:cNvPicPr>
+          <p:nvPr/>
+        </p:nvPicPr>
+        <p:blipFill>
+          <a:blip r:embed="rId2" cstate="print">
+            <a:extLst>
+              <a:ext uri="{28A0092B-C50C-407E-A947-70E740481C1C}">
+                <a14:useLocalDpi xmlns:a14="http://schemas.microsoft.com/office/drawing/2010/main" val="0"/>
+              </a:ext>
+            </a:extLst>
+          </a:blip>
+          <a:stretch>
+            <a:fillRect/>
+          </a:stretch>
+        </p:blipFill>
+        <p:spPr>
+          <a:xfrm>
+            <a:off x="3630030" y="4356101"/>
+            <a:ext cx="4167770" cy="2551112"/>
+          </a:xfrm>
+          <a:prstGeom prst="rect">
+            <a:avLst/>
+          </a:prstGeom>
+        </p:spPr>
+      </p:pic>
+    </p:spTree>
+    <p:extLst>
+      <p:ext uri="{BB962C8B-B14F-4D97-AF65-F5344CB8AC3E}">
+        <p14:creationId xmlns:p14="http://schemas.microsoft.com/office/powerpoint/2010/main" val="2108107240"/>
+      </p:ext>
+    </p:extLst>
+  </p:cSld>
+  <p:clrMapOvr>
+    <a:masterClrMapping/>
+  </p:clrMapOvr>
+  <p:timing>
+    <p:tnLst>
+      <p:par>
+        <p:cTn id="1" dur="indefinite" restart="never" nodeType="tmRoot"/>
+      </p:par>
+    </p:tnLst>
+  </p:timing>
+</p:sld>
+</file>
+
+<file path=ppt/slides/slide11.xml><?xml version="1.0" encoding="utf-8"?>
 <p:sld xmlns:a="http://schemas.openxmlformats.org/drawingml/2006/main" xmlns:r="http://schemas.openxmlformats.org/officeDocument/2006/relationships" xmlns:p="http://schemas.openxmlformats.org/presentationml/2006/main">
   <p:cSld>
     <p:spTree>
@@ -3661,11 +3869,7 @@
             <a:pPr algn="ctr"/>
             <a:r>
               <a:rPr lang="en-US" sz="2800" dirty="0" smtClean="0"/>
-              <a:t>Smoothing by solving the inverse heat </a:t>
-            </a:r>
-            <a:r>
-              <a:rPr lang="en-US" sz="2800" dirty="0" smtClean="0"/>
-              <a:t>source problem</a:t>
+              <a:t>Smoothing by solving the inverse heat source problem</a:t>
             </a:r>
             <a:endParaRPr lang="en-US" sz="2800" dirty="0"/>
           </a:p>
@@ -3681,7 +3885,7 @@
             </p:nvSpPr>
             <p:spPr>
               <a:xfrm>
-                <a:off x="7395614" y="4905177"/>
+                <a:off x="7304165" y="4905177"/>
                 <a:ext cx="3529903" cy="2031325"/>
               </a:xfrm>
               <a:prstGeom prst="rect">
@@ -3697,15 +3901,7 @@
               <a:p>
                 <a:r>
                   <a:rPr lang="en-US" dirty="0" smtClean="0"/>
-                  <a:t>We search the </a:t>
-                </a:r>
-                <a:r>
-                  <a:rPr lang="en-US" dirty="0" smtClean="0"/>
-                  <a:t>solution </a:t>
-                </a:r>
-                <a:r>
-                  <a:rPr lang="en-US" dirty="0" smtClean="0"/>
-                  <a:t>at the initial point  </a:t>
+                  <a:t>We search the solution at the initial point  </a:t>
                 </a:r>
                 <a14:m>
                   <m:oMath xmlns:m="http://schemas.openxmlformats.org/officeDocument/2006/math">
@@ -3734,15 +3930,11 @@
               <a:p>
                 <a:r>
                   <a:rPr lang="en-US" dirty="0" smtClean="0"/>
-                  <a:t>The ill </a:t>
-                </a:r>
-                <a:r>
-                  <a:rPr lang="en-US" dirty="0" err="1" smtClean="0"/>
-                  <a:t>posdness</a:t>
+                  <a:t>ill posed problems </a:t>
                 </a:r>
                 <a:r>
                   <a:rPr lang="en-US" dirty="0" smtClean="0"/>
-                  <a:t> requires the use of </a:t>
+                  <a:t>requires the use of </a:t>
                 </a:r>
                 <a:r>
                   <a:rPr lang="en-US" dirty="0" err="1" smtClean="0"/>
@@ -3752,7 +3944,6 @@
                   <a:rPr lang="en-US" dirty="0" smtClean="0"/>
                   <a:t> regularization term</a:t>
                 </a:r>
-                <a:endParaRPr lang="en-US" dirty="0" smtClean="0"/>
               </a:p>
               <a:p>
                 <a:endParaRPr lang="en-US" dirty="0"/>
@@ -3771,7 +3962,7 @@
             </p:nvSpPr>
             <p:spPr>
               <a:xfrm>
-                <a:off x="7395614" y="4905177"/>
+                <a:off x="7304165" y="4905177"/>
                 <a:ext cx="3529903" cy="2031325"/>
               </a:xfrm>
               <a:prstGeom prst="rect">
@@ -3799,8 +3990,8 @@
           </p:sp>
         </mc:Fallback>
       </mc:AlternateContent>
-      <mc:AlternateContent xmlns:mc="http://schemas.openxmlformats.org/markup-compatibility/2006">
-        <mc:Choice xmlns:a14="http://schemas.microsoft.com/office/drawing/2010/main" Requires="a14">
+      <mc:AlternateContent xmlns:mc="http://schemas.openxmlformats.org/markup-compatibility/2006" xmlns:a14="http://schemas.microsoft.com/office/drawing/2010/main">
+        <mc:Choice Requires="a14">
           <p:sp>
             <p:nvSpPr>
               <p:cNvPr id="22" name="TextBox 21"/>
@@ -3825,11 +4016,7 @@
               <a:p>
                 <a:r>
                   <a:rPr lang="en-US" dirty="0" smtClean="0"/>
-                  <a:t>For </a:t>
-                </a:r>
-                <a:r>
-                  <a:rPr lang="en-US" dirty="0" smtClean="0"/>
-                  <a:t>each </a:t>
+                  <a:t>For each </a:t>
                 </a:r>
                 <a:r>
                   <a:rPr lang="en-US" dirty="0" err="1" smtClean="0"/>
@@ -3938,13 +4125,7 @@
                       <a:rPr lang="en-US" b="0" i="1" smtClean="0">
                         <a:latin typeface="Cambria Math" panose="02040503050406030204" pitchFamily="18" charset="0"/>
                       </a:rPr>
-                      <m:t>=</m:t>
-                    </m:r>
-                    <m:r>
-                      <a:rPr lang="en-US" b="0" i="1" smtClean="0">
-                        <a:latin typeface="Cambria Math" panose="02040503050406030204" pitchFamily="18" charset="0"/>
-                      </a:rPr>
-                      <m:t>1,   0</m:t>
+                      <m:t>=1,   0</m:t>
                     </m:r>
                     <m:r>
                       <a:rPr lang="en-US" b="0" i="1" smtClean="0">
@@ -4361,9 +4542,9 @@
                   <a:rPr lang="en-US" dirty="0" smtClean="0"/>
                   <a:t>Heat energy:</a:t>
                 </a:r>
-                <a:endParaRPr lang="en-US" dirty="0" smtClean="0"/>
               </a:p>
               <a:p>
+                <a:pPr/>
                 <a14:m>
                   <m:oMathPara xmlns:m="http://schemas.openxmlformats.org/officeDocument/2006/math">
                     <m:oMathParaPr>
@@ -4502,7 +4683,7 @@
             </p:txBody>
           </p:sp>
         </mc:Choice>
-        <mc:Fallback>
+        <mc:Fallback xmlns="">
           <p:sp>
             <p:nvSpPr>
               <p:cNvPr id="22" name="TextBox 21"/>
@@ -4701,15 +4882,7 @@
                         <a:srgbClr val="FF0000"/>
                       </a:solidFill>
                     </a:rPr>
-                    <a:t>Observed Temp</a:t>
-                  </a:r>
-                  <a:r>
-                    <a:rPr lang="en-US" dirty="0" smtClean="0">
-                      <a:solidFill>
-                        <a:srgbClr val="FF0000"/>
-                      </a:solidFill>
-                    </a:rPr>
-                    <a:t>.</a:t>
+                    <a:t>Observed Temp.</a:t>
                   </a:r>
                   <a:endParaRPr lang="en-US" dirty="0">
                     <a:solidFill>
@@ -6179,8 +6352,8 @@
                 </p:cxnSp>
               </p:grpSp>
             </p:grpSp>
-            <mc:AlternateContent xmlns:mc="http://schemas.openxmlformats.org/markup-compatibility/2006">
-              <mc:Choice xmlns:a14="http://schemas.microsoft.com/office/drawing/2010/main" Requires="a14">
+            <mc:AlternateContent xmlns:mc="http://schemas.openxmlformats.org/markup-compatibility/2006" xmlns:a14="http://schemas.microsoft.com/office/drawing/2010/main">
+              <mc:Choice Requires="a14">
                 <p:sp>
                   <p:nvSpPr>
                     <p:cNvPr id="47" name="TextBox 46"/>
@@ -6203,6 +6376,7 @@
                     </a:bodyPr>
                     <a:lstStyle/>
                     <a:p>
+                      <a:pPr/>
                       <a14:m>
                         <m:oMathPara xmlns:m="http://schemas.openxmlformats.org/officeDocument/2006/math">
                           <m:oMathParaPr>
@@ -6241,7 +6415,7 @@
                   </p:txBody>
                 </p:sp>
               </mc:Choice>
-              <mc:Fallback>
+              <mc:Fallback xmlns="">
                 <p:sp>
                   <p:nvSpPr>
                     <p:cNvPr id="47" name="TextBox 46"/>
@@ -6280,8 +6454,8 @@
                 </p:sp>
               </mc:Fallback>
             </mc:AlternateContent>
-            <mc:AlternateContent xmlns:mc="http://schemas.openxmlformats.org/markup-compatibility/2006">
-              <mc:Choice xmlns:a14="http://schemas.microsoft.com/office/drawing/2010/main" Requires="a14">
+            <mc:AlternateContent xmlns:mc="http://schemas.openxmlformats.org/markup-compatibility/2006" xmlns:a14="http://schemas.microsoft.com/office/drawing/2010/main">
+              <mc:Choice Requires="a14">
                 <p:sp>
                   <p:nvSpPr>
                     <p:cNvPr id="67" name="TextBox 66"/>
@@ -6304,6 +6478,7 @@
                     </a:bodyPr>
                     <a:lstStyle/>
                     <a:p>
+                      <a:pPr/>
                       <a14:m>
                         <m:oMathPara xmlns:m="http://schemas.openxmlformats.org/officeDocument/2006/math">
                           <m:oMathParaPr>
@@ -6342,7 +6517,7 @@
                   </p:txBody>
                 </p:sp>
               </mc:Choice>
-              <mc:Fallback>
+              <mc:Fallback xmlns="">
                 <p:sp>
                   <p:nvSpPr>
                     <p:cNvPr id="67" name="TextBox 66"/>
@@ -6440,8 +6615,8 @@
                 </a:p>
               </p:txBody>
             </p:sp>
-            <mc:AlternateContent xmlns:mc="http://schemas.openxmlformats.org/markup-compatibility/2006">
-              <mc:Choice xmlns:a14="http://schemas.microsoft.com/office/drawing/2010/main" Requires="a14">
+            <mc:AlternateContent xmlns:mc="http://schemas.openxmlformats.org/markup-compatibility/2006" xmlns:a14="http://schemas.microsoft.com/office/drawing/2010/main">
+              <mc:Choice Requires="a14">
                 <p:sp>
                   <p:nvSpPr>
                     <p:cNvPr id="49" name="TextBox 48"/>
@@ -6464,6 +6639,7 @@
                     </a:bodyPr>
                     <a:lstStyle/>
                     <a:p>
+                      <a:pPr/>
                       <a14:m>
                         <m:oMathPara xmlns:m="http://schemas.openxmlformats.org/officeDocument/2006/math">
                           <m:oMathParaPr>
@@ -6544,7 +6720,7 @@
                   </p:txBody>
                 </p:sp>
               </mc:Choice>
-              <mc:Fallback>
+              <mc:Fallback xmlns="">
                 <p:sp>
                   <p:nvSpPr>
                     <p:cNvPr id="49" name="TextBox 48"/>
@@ -6860,14 +7036,14 @@
           <a:p>
             <a:fld id="{5885E35D-D03C-4A4E-A650-32C42C5321BC}" type="slidenum">
               <a:rPr lang="en-US" smtClean="0"/>
-              <a:t>10</a:t>
+              <a:t>11</a:t>
             </a:fld>
             <a:endParaRPr lang="en-US" dirty="0"/>
           </a:p>
         </p:txBody>
       </p:sp>
-      <mc:AlternateContent xmlns:mc="http://schemas.openxmlformats.org/markup-compatibility/2006">
-        <mc:Choice xmlns:a14="http://schemas.microsoft.com/office/drawing/2010/main" Requires="a14">
+      <mc:AlternateContent xmlns:mc="http://schemas.openxmlformats.org/markup-compatibility/2006" xmlns:a14="http://schemas.microsoft.com/office/drawing/2010/main">
+        <mc:Choice Requires="a14">
           <p:sp>
             <p:nvSpPr>
               <p:cNvPr id="77" name="TextBox 76"/>
@@ -6972,6 +7148,7 @@
                 </a:r>
               </a:p>
               <a:p>
+                <a:pPr/>
                 <a14:m>
                   <m:oMathPara xmlns:m="http://schemas.openxmlformats.org/officeDocument/2006/math">
                     <m:oMathParaPr>
@@ -7111,6 +7288,7 @@
                 </a:r>
               </a:p>
               <a:p>
+                <a:pPr/>
                 <a14:m>
                   <m:oMathPara xmlns:m="http://schemas.openxmlformats.org/officeDocument/2006/math">
                     <m:oMathParaPr>
@@ -7288,6 +7466,7 @@
                 <a:endParaRPr lang="en-US" dirty="0" smtClean="0"/>
               </a:p>
               <a:p>
+                <a:pPr/>
                 <a14:m>
                   <m:oMathPara xmlns:m="http://schemas.openxmlformats.org/officeDocument/2006/math">
                     <m:oMathParaPr>
@@ -7484,7 +7663,7 @@
             </p:txBody>
           </p:sp>
         </mc:Choice>
-        <mc:Fallback>
+        <mc:Fallback xmlns="">
           <p:sp>
             <p:nvSpPr>
               <p:cNvPr id="77" name="TextBox 76"/>
@@ -7607,7 +7786,7 @@
 </p:sld>
 </file>
 
-<file path=ppt/slides/slide11.xml><?xml version="1.0" encoding="utf-8"?>
+<file path=ppt/slides/slide12.xml><?xml version="1.0" encoding="utf-8"?>
 <p:sld xmlns:a="http://schemas.openxmlformats.org/drawingml/2006/main" xmlns:r="http://schemas.openxmlformats.org/officeDocument/2006/relationships" xmlns:p="http://schemas.openxmlformats.org/presentationml/2006/main">
   <p:cSld>
     <p:spTree>
@@ -7670,7 +7849,7 @@
           <a:p>
             <a:fld id="{5885E35D-D03C-4A4E-A650-32C42C5321BC}" type="slidenum">
               <a:rPr lang="en-US" smtClean="0"/>
-              <a:t>11</a:t>
+              <a:t>12</a:t>
             </a:fld>
             <a:endParaRPr lang="en-US"/>
           </a:p>
@@ -7935,7 +8114,7 @@
 </p:sld>
 </file>
 
-<file path=ppt/slides/slide12.xml><?xml version="1.0" encoding="utf-8"?>
+<file path=ppt/slides/slide13.xml><?xml version="1.0" encoding="utf-8"?>
 <p:sld xmlns:a="http://schemas.openxmlformats.org/drawingml/2006/main" xmlns:r="http://schemas.openxmlformats.org/officeDocument/2006/relationships" xmlns:p="http://schemas.openxmlformats.org/presentationml/2006/main">
   <p:cSld>
     <p:spTree>
@@ -8048,7 +8227,7 @@
           <a:p>
             <a:fld id="{5885E35D-D03C-4A4E-A650-32C42C5321BC}" type="slidenum">
               <a:rPr lang="en-US" smtClean="0"/>
-              <a:t>12</a:t>
+              <a:t>13</a:t>
             </a:fld>
             <a:endParaRPr lang="en-US"/>
           </a:p>
@@ -8076,8 +8255,8 @@
         </p:blipFill>
         <p:spPr>
           <a:xfrm>
-            <a:off x="5130801" y="2445227"/>
-            <a:ext cx="6222999" cy="3500437"/>
+            <a:off x="5050797" y="2520583"/>
+            <a:ext cx="6927708" cy="4337417"/>
           </a:xfrm>
           <a:prstGeom prst="rect">
             <a:avLst/>
@@ -8134,7 +8313,7 @@
 </p:sld>
 </file>
 
-<file path=ppt/slides/slide13.xml><?xml version="1.0" encoding="utf-8"?>
+<file path=ppt/slides/slide14.xml><?xml version="1.0" encoding="utf-8"?>
 <p:sld xmlns:a="http://schemas.openxmlformats.org/drawingml/2006/main" xmlns:r="http://schemas.openxmlformats.org/officeDocument/2006/relationships" xmlns:p="http://schemas.openxmlformats.org/presentationml/2006/main">
   <p:cSld>
     <p:spTree>
@@ -8193,7 +8372,7 @@
             </p:nvSpPr>
             <p:spPr>
               <a:xfrm>
-                <a:off x="622300" y="1512888"/>
+                <a:off x="469900" y="1512888"/>
                 <a:ext cx="8215868" cy="4351338"/>
               </a:xfrm>
             </p:spPr>
@@ -8201,23 +8380,59 @@
               <a:bodyPr/>
               <a:lstStyle/>
               <a:p>
-                <a:pPr/>
                 <a:r>
                   <a:rPr lang="en-US" dirty="0" smtClean="0"/>
                   <a:t>If for </a:t>
                 </a:r>
                 <a:r>
                   <a:rPr lang="en-US" dirty="0"/>
-                  <a:t>some  signal </a:t>
+                  <a:t>some  </a:t>
+                </a:r>
+                <a:r>
+                  <a:rPr lang="en-US" dirty="0" smtClean="0"/>
+                  <a:t>bead </a:t>
                 </a:r>
                 <a14:m>
                   <m:oMath xmlns:m="http://schemas.openxmlformats.org/officeDocument/2006/math">
                     <m:r>
-                      <a:rPr lang="en-US" i="1">
+                      <a:rPr lang="en-US" i="1" dirty="0" smtClean="0">
                         <a:latin typeface="Cambria Math" panose="02040503050406030204" pitchFamily="18" charset="0"/>
                       </a:rPr>
-                      <m:t>𝑃</m:t>
+                      <m:t>𝑗</m:t>
                     </m:r>
+                  </m:oMath>
+                </a14:m>
+                <a:r>
+                  <a:rPr lang="en-US" dirty="0" smtClean="0"/>
+                  <a:t>, </a:t>
+                </a:r>
+                <a14:m>
+                  <m:oMath xmlns:m="http://schemas.openxmlformats.org/officeDocument/2006/math">
+                    <m:sSub>
+                      <m:sSubPr>
+                        <m:ctrlPr>
+                          <a:rPr lang="en-US" b="0" i="1" smtClean="0">
+                            <a:latin typeface="Cambria Math" panose="02040503050406030204" pitchFamily="18" charset="0"/>
+                          </a:rPr>
+                        </m:ctrlPr>
+                      </m:sSubPr>
+                      <m:e>
+                        <m:r>
+                          <a:rPr lang="en-US" i="1">
+                            <a:latin typeface="Cambria Math" panose="02040503050406030204" pitchFamily="18" charset="0"/>
+                          </a:rPr>
+                          <m:t>𝑃</m:t>
+                        </m:r>
+                      </m:e>
+                      <m:sub>
+                        <m:r>
+                          <a:rPr lang="en-US" b="0" i="1" smtClean="0">
+                            <a:latin typeface="Cambria Math" panose="02040503050406030204" pitchFamily="18" charset="0"/>
+                          </a:rPr>
+                          <m:t>𝑗</m:t>
+                        </m:r>
+                      </m:sub>
+                    </m:sSub>
                     <m:d>
                       <m:dPr>
                         <m:ctrlPr>
@@ -8266,12 +8481,31 @@
                       </a:rPr>
                       <m:t>&gt;</m:t>
                     </m:r>
-                    <m:r>
-                      <a:rPr lang="en-US" i="1">
-                        <a:latin typeface="Cambria Math" panose="02040503050406030204" pitchFamily="18" charset="0"/>
-                      </a:rPr>
-                      <m:t>𝑃</m:t>
-                    </m:r>
+                    <m:sSub>
+                      <m:sSubPr>
+                        <m:ctrlPr>
+                          <a:rPr lang="en-US" b="0" i="1" smtClean="0">
+                            <a:latin typeface="Cambria Math" panose="02040503050406030204" pitchFamily="18" charset="0"/>
+                          </a:rPr>
+                        </m:ctrlPr>
+                      </m:sSubPr>
+                      <m:e>
+                        <m:r>
+                          <a:rPr lang="en-US" i="1">
+                            <a:latin typeface="Cambria Math" panose="02040503050406030204" pitchFamily="18" charset="0"/>
+                          </a:rPr>
+                          <m:t>𝑃</m:t>
+                        </m:r>
+                      </m:e>
+                      <m:sub>
+                        <m:r>
+                          <a:rPr lang="en-US" b="0" i="1" smtClean="0">
+                            <a:latin typeface="Cambria Math" panose="02040503050406030204" pitchFamily="18" charset="0"/>
+                          </a:rPr>
+                          <m:t>𝑗</m:t>
+                        </m:r>
+                      </m:sub>
+                    </m:sSub>
                     <m:d>
                       <m:dPr>
                         <m:ctrlPr>
@@ -8297,15 +8531,7 @@
                 </a:r>
                 <a:r>
                   <a:rPr lang="en-US" dirty="0"/>
-                  <a:t>a </a:t>
-                </a:r>
-                <a:r>
-                  <a:rPr lang="en-US" dirty="0"/>
-                  <a:t>higher spring </a:t>
-                </a:r>
-                <a:r>
-                  <a:rPr lang="en-US" dirty="0"/>
-                  <a:t>constant between the beads</a:t>
+                  <a:t>a higher spring constant between the beads</a:t>
                 </a:r>
                 <a:r>
                   <a:rPr lang="en-US" dirty="0" smtClean="0"/>
@@ -8313,7 +8539,6 @@
                 </a:r>
               </a:p>
               <a:p>
-                <a:pPr/>
                 <a:r>
                   <a:rPr lang="en-US" dirty="0" smtClean="0"/>
                   <a:t>Estimate </a:t>
@@ -8357,7 +8582,6 @@
                 <a:endParaRPr lang="en-US" dirty="0" smtClean="0"/>
               </a:p>
               <a:p>
-                <a:pPr/>
                 <a:r>
                   <a:rPr lang="en-US" dirty="0"/>
                   <a:t>F</a:t>
@@ -8368,11 +8592,7 @@
                 </a:r>
                 <a:r>
                   <a:rPr lang="en-US" dirty="0"/>
-                  <a:t>a lognormal </a:t>
-                </a:r>
-                <a:r>
-                  <a:rPr lang="en-US" dirty="0"/>
-                  <a:t>distribution </a:t>
+                  <a:t>a lognormal distribution </a:t>
                 </a:r>
                 <a:r>
                   <a:rPr lang="en-US" dirty="0" smtClean="0"/>
@@ -8396,11 +8616,11 @@
                 </a:r>
                 <a:r>
                   <a:rPr lang="en-US" dirty="0"/>
-                  <a:t>its expectation in </a:t>
+                  <a:t>its expectation </a:t>
                 </a:r>
                 <a:r>
                   <a:rPr lang="en-US" dirty="0" smtClean="0"/>
-                  <a:t>for the </a:t>
+                  <a:t>to calculate the </a:t>
                 </a:r>
                 <a:r>
                   <a:rPr lang="en-US" dirty="0"/>
@@ -8438,10 +8658,6 @@
                   <a:rPr lang="en-US" dirty="0"/>
                   <a:t>.</a:t>
                 </a:r>
-                <a:r>
-                  <a:rPr lang="en-US" dirty="0"/>
-                  <a:t/>
-                </a:r>
                 <a:br>
                   <a:rPr lang="en-US" dirty="0"/>
                 </a:br>
@@ -8475,37 +8691,7 @@
                       <a:rPr lang="en-US" i="1">
                         <a:latin typeface="Cambria Math" panose="02040503050406030204" pitchFamily="18" charset="0"/>
                       </a:rPr>
-                      <m:t>𝑘</m:t>
-                    </m:r>
-                    <m:r>
-                      <a:rPr lang="en-US" i="1">
-                        <a:latin typeface="Cambria Math" panose="02040503050406030204" pitchFamily="18" charset="0"/>
-                      </a:rPr>
-                      <m:t>|</m:t>
-                    </m:r>
-                    <m:r>
-                      <a:rPr lang="en-US" i="1">
-                        <a:latin typeface="Cambria Math" panose="02040503050406030204" pitchFamily="18" charset="0"/>
-                      </a:rPr>
-                      <m:t>𝑚</m:t>
-                    </m:r>
-                    <m:r>
-                      <a:rPr lang="en-US" i="1">
-                        <a:latin typeface="Cambria Math" panose="02040503050406030204" pitchFamily="18" charset="0"/>
-                      </a:rPr>
-                      <m:t>−</m:t>
-                    </m:r>
-                    <m:r>
-                      <a:rPr lang="en-US" i="1">
-                        <a:latin typeface="Cambria Math" panose="02040503050406030204" pitchFamily="18" charset="0"/>
-                      </a:rPr>
-                      <m:t>𝑛</m:t>
-                    </m:r>
-                    <m:r>
-                      <a:rPr lang="en-US" i="1">
-                        <a:latin typeface="Cambria Math" panose="02040503050406030204" pitchFamily="18" charset="0"/>
-                      </a:rPr>
-                      <m:t>|</m:t>
+                      <m:t>𝑘𝑛</m:t>
                     </m:r>
                     <m:sSup>
                       <m:sSupPr>
@@ -8560,49 +8746,43 @@
                                 </m:r>
                               </m:num>
                               <m:den>
-                                <m:r>
-                                  <a:rPr lang="en-US" i="1">
-                                    <a:latin typeface="Cambria Math" panose="02040503050406030204" pitchFamily="18" charset="0"/>
-                                  </a:rPr>
-                                  <m:t>𝑃</m:t>
-                                </m:r>
+                                <m:sSub>
+                                  <m:sSubPr>
+                                    <m:ctrlPr>
+                                      <a:rPr lang="en-US" b="0" i="1" smtClean="0">
+                                        <a:latin typeface="Cambria Math" panose="02040503050406030204" pitchFamily="18" charset="0"/>
+                                      </a:rPr>
+                                    </m:ctrlPr>
+                                  </m:sSubPr>
+                                  <m:e>
+                                    <m:r>
+                                      <a:rPr lang="en-US" i="1">
+                                        <a:latin typeface="Cambria Math" panose="02040503050406030204" pitchFamily="18" charset="0"/>
+                                      </a:rPr>
+                                      <m:t>𝑃</m:t>
+                                    </m:r>
+                                  </m:e>
+                                  <m:sub>
+                                    <m:r>
+                                      <a:rPr lang="en-US" b="0" i="1" smtClean="0">
+                                        <a:latin typeface="Cambria Math" panose="02040503050406030204" pitchFamily="18" charset="0"/>
+                                      </a:rPr>
+                                      <m:t>𝑗</m:t>
+                                    </m:r>
+                                  </m:sub>
+                                </m:sSub>
                                 <m:r>
                                   <a:rPr lang="en-US" i="1">
                                     <a:latin typeface="Cambria Math" panose="02040503050406030204" pitchFamily="18" charset="0"/>
                                   </a:rPr>
                                   <m:t>(</m:t>
                                 </m:r>
-                                <m:d>
-                                  <m:dPr>
-                                    <m:begChr m:val="|"/>
-                                    <m:endChr m:val="|"/>
-                                    <m:ctrlPr>
-                                      <a:rPr lang="en-US" i="1">
-                                        <a:latin typeface="Cambria Math" panose="02040503050406030204" pitchFamily="18" charset="0"/>
-                                      </a:rPr>
-                                    </m:ctrlPr>
-                                  </m:dPr>
-                                  <m:e>
-                                    <m:r>
-                                      <a:rPr lang="en-US" i="1">
-                                        <a:latin typeface="Cambria Math" panose="02040503050406030204" pitchFamily="18" charset="0"/>
-                                      </a:rPr>
-                                      <m:t>𝑚</m:t>
-                                    </m:r>
-                                    <m:r>
-                                      <a:rPr lang="en-US" i="1">
-                                        <a:latin typeface="Cambria Math" panose="02040503050406030204" pitchFamily="18" charset="0"/>
-                                      </a:rPr>
-                                      <m:t>−</m:t>
-                                    </m:r>
-                                    <m:r>
-                                      <a:rPr lang="en-US" i="1">
-                                        <a:latin typeface="Cambria Math" panose="02040503050406030204" pitchFamily="18" charset="0"/>
-                                      </a:rPr>
-                                      <m:t>𝑛</m:t>
-                                    </m:r>
-                                  </m:e>
-                                </m:d>
+                                <m:r>
+                                  <a:rPr lang="en-US" b="0" i="1" smtClean="0">
+                                    <a:latin typeface="Cambria Math" panose="02040503050406030204" pitchFamily="18" charset="0"/>
+                                  </a:rPr>
+                                  <m:t>𝑛</m:t>
+                                </m:r>
                                 <m:r>
                                   <a:rPr lang="en-US" i="1">
                                     <a:latin typeface="Cambria Math" panose="02040503050406030204" pitchFamily="18" charset="0"/>
@@ -8643,13 +8823,13 @@
             </p:nvSpPr>
             <p:spPr>
               <a:xfrm>
-                <a:off x="622300" y="1512888"/>
+                <a:off x="469900" y="1512888"/>
                 <a:ext cx="8215868" cy="4351338"/>
               </a:xfrm>
               <a:blipFill rotWithShape="0">
                 <a:blip r:embed="rId2"/>
                 <a:stretch>
-                  <a:fillRect l="-1335" t="-2241"/>
+                  <a:fillRect l="-1335" t="-1961"/>
                 </a:stretch>
               </a:blipFill>
             </p:spPr>
@@ -8685,7 +8865,7 @@
           <a:p>
             <a:fld id="{5885E35D-D03C-4A4E-A650-32C42C5321BC}" type="slidenum">
               <a:rPr lang="en-US" smtClean="0"/>
-              <a:t>13</a:t>
+              <a:t>14</a:t>
             </a:fld>
             <a:endParaRPr lang="en-US"/>
           </a:p>
@@ -8713,7 +8893,7 @@
         </p:blipFill>
         <p:spPr>
           <a:xfrm>
-            <a:off x="8093617" y="1020764"/>
+            <a:off x="8303167" y="1116014"/>
             <a:ext cx="4004734" cy="2252663"/>
           </a:xfrm>
           <a:prstGeom prst="rect">
@@ -8751,6 +8931,36 @@
           </a:prstGeom>
         </p:spPr>
       </p:pic>
+      <p:sp>
+        <p:nvSpPr>
+          <p:cNvPr id="7" name="TextBox 6"/>
+          <p:cNvSpPr txBox="1"/>
+          <p:nvPr/>
+        </p:nvSpPr>
+        <p:spPr>
+          <a:xfrm>
+            <a:off x="9217247" y="850106"/>
+            <a:ext cx="764953" cy="369332"/>
+          </a:xfrm>
+          <a:prstGeom prst="rect">
+            <a:avLst/>
+          </a:prstGeom>
+          <a:noFill/>
+        </p:spPr>
+        <p:txBody>
+          <a:bodyPr wrap="none" rtlCol="0">
+            <a:spAutoFit/>
+          </a:bodyPr>
+          <a:lstStyle/>
+          <a:p>
+            <a:r>
+              <a:rPr lang="en-US" dirty="0" smtClean="0"/>
+              <a:t>Bead j</a:t>
+            </a:r>
+            <a:endParaRPr lang="en-US" dirty="0"/>
+          </a:p>
+        </p:txBody>
+      </p:sp>
     </p:spTree>
     <p:extLst>
       <p:ext uri="{BB962C8B-B14F-4D97-AF65-F5344CB8AC3E}">
@@ -8771,7 +8981,7 @@
 </p:sld>
 </file>
 
-<file path=ppt/slides/slide14.xml><?xml version="1.0" encoding="utf-8"?>
+<file path=ppt/slides/slide15.xml><?xml version="1.0" encoding="utf-8"?>
 <p:sld xmlns:a="http://schemas.openxmlformats.org/drawingml/2006/main" xmlns:r="http://schemas.openxmlformats.org/officeDocument/2006/relationships" xmlns:p="http://schemas.openxmlformats.org/presentationml/2006/main">
   <p:cSld>
     <p:spTree>
@@ -8788,56 +8998,6 @@
           <a:chExt cx="0" cy="0"/>
         </a:xfrm>
       </p:grpSpPr>
-      <p:sp>
-        <p:nvSpPr>
-          <p:cNvPr id="2" name="Title 1"/>
-          <p:cNvSpPr>
-            <a:spLocks noGrp="1"/>
-          </p:cNvSpPr>
-          <p:nvPr>
-            <p:ph type="title"/>
-          </p:nvPr>
-        </p:nvSpPr>
-        <p:spPr/>
-        <p:txBody>
-          <a:bodyPr/>
-          <a:lstStyle/>
-          <a:p>
-            <a:r>
-              <a:rPr lang="en-US" dirty="0" err="1" smtClean="0"/>
-              <a:t>HiC</a:t>
-            </a:r>
-            <a:r>
-              <a:rPr lang="en-US" dirty="0" smtClean="0"/>
-              <a:t> data</a:t>
-            </a:r>
-            <a:endParaRPr lang="en-US" dirty="0"/>
-          </a:p>
-        </p:txBody>
-      </p:sp>
-      <p:sp>
-        <p:nvSpPr>
-          <p:cNvPr id="4" name="Slide Number Placeholder 3"/>
-          <p:cNvSpPr>
-            <a:spLocks noGrp="1"/>
-          </p:cNvSpPr>
-          <p:nvPr>
-            <p:ph type="sldNum" sz="quarter" idx="12"/>
-          </p:nvPr>
-        </p:nvSpPr>
-        <p:spPr/>
-        <p:txBody>
-          <a:bodyPr/>
-          <a:lstStyle/>
-          <a:p>
-            <a:fld id="{5885E35D-D03C-4A4E-A650-32C42C5321BC}" type="slidenum">
-              <a:rPr lang="en-US" smtClean="0"/>
-              <a:t>14</a:t>
-            </a:fld>
-            <a:endParaRPr lang="en-US"/>
-          </a:p>
-        </p:txBody>
-      </p:sp>
       <p:pic>
         <p:nvPicPr>
           <p:cNvPr id="5" name="Content Placeholder 3"/>
@@ -8867,6 +9027,91 @@
           </a:xfrm>
         </p:spPr>
       </p:pic>
+      <p:pic>
+        <p:nvPicPr>
+          <p:cNvPr id="3" name="Picture 2"/>
+          <p:cNvPicPr>
+            <a:picLocks noChangeAspect="1"/>
+          </p:cNvPicPr>
+          <p:nvPr/>
+        </p:nvPicPr>
+        <p:blipFill>
+          <a:blip r:embed="rId3">
+            <a:extLst>
+              <a:ext uri="{28A0092B-C50C-407E-A947-70E740481C1C}">
+                <a14:useLocalDpi xmlns:a14="http://schemas.microsoft.com/office/drawing/2010/main" val="0"/>
+              </a:ext>
+            </a:extLst>
+          </a:blip>
+          <a:stretch>
+            <a:fillRect/>
+          </a:stretch>
+        </p:blipFill>
+        <p:spPr>
+          <a:xfrm>
+            <a:off x="8733554" y="2330001"/>
+            <a:ext cx="3510572" cy="3387036"/>
+          </a:xfrm>
+          <a:prstGeom prst="rect">
+            <a:avLst/>
+          </a:prstGeom>
+        </p:spPr>
+      </p:pic>
+      <p:sp>
+        <p:nvSpPr>
+          <p:cNvPr id="2" name="Title 1"/>
+          <p:cNvSpPr>
+            <a:spLocks noGrp="1"/>
+          </p:cNvSpPr>
+          <p:nvPr>
+            <p:ph type="title"/>
+          </p:nvPr>
+        </p:nvSpPr>
+        <p:spPr>
+          <a:xfrm>
+            <a:off x="390331" y="260865"/>
+            <a:ext cx="10515600" cy="1325563"/>
+          </a:xfrm>
+        </p:spPr>
+        <p:txBody>
+          <a:bodyPr/>
+          <a:lstStyle/>
+          <a:p>
+            <a:r>
+              <a:rPr lang="en-US" dirty="0" err="1" smtClean="0"/>
+              <a:t>HiC</a:t>
+            </a:r>
+            <a:r>
+              <a:rPr lang="en-US" dirty="0" smtClean="0"/>
+              <a:t> data</a:t>
+            </a:r>
+            <a:endParaRPr lang="en-US" dirty="0"/>
+          </a:p>
+        </p:txBody>
+      </p:sp>
+      <p:sp>
+        <p:nvSpPr>
+          <p:cNvPr id="4" name="Slide Number Placeholder 3"/>
+          <p:cNvSpPr>
+            <a:spLocks noGrp="1"/>
+          </p:cNvSpPr>
+          <p:nvPr>
+            <p:ph type="sldNum" sz="quarter" idx="12"/>
+          </p:nvPr>
+        </p:nvSpPr>
+        <p:spPr/>
+        <p:txBody>
+          <a:bodyPr/>
+          <a:lstStyle/>
+          <a:p>
+            <a:fld id="{5885E35D-D03C-4A4E-A650-32C42C5321BC}" type="slidenum">
+              <a:rPr lang="en-US" smtClean="0"/>
+              <a:t>15</a:t>
+            </a:fld>
+            <a:endParaRPr lang="en-US"/>
+          </a:p>
+        </p:txBody>
+      </p:sp>
       <p:grpSp>
         <p:nvGrpSpPr>
           <p:cNvPr id="8" name="Group 7"/>
@@ -8875,7 +9120,7 @@
         </p:nvGrpSpPr>
         <p:grpSpPr>
           <a:xfrm>
-            <a:off x="6662505" y="5923756"/>
+            <a:off x="5026138" y="6019800"/>
             <a:ext cx="2298700" cy="673100"/>
             <a:chOff x="9321800" y="2755900"/>
             <a:chExt cx="2298700" cy="762000"/>
@@ -9015,7 +9260,7 @@
           </p:nvSpPr>
           <p:spPr>
             <a:xfrm>
-              <a:off x="9677400" y="2755900"/>
+              <a:off x="9710482" y="2755900"/>
               <a:ext cx="1803400" cy="646331"/>
             </a:xfrm>
             <a:prstGeom prst="rect">
@@ -9054,7 +9299,7 @@
           <p:nvPr/>
         </p:nvPicPr>
         <p:blipFill>
-          <a:blip r:embed="rId3">
+          <a:blip r:embed="rId4">
             <a:extLst>
               <a:ext uri="{28A0092B-C50C-407E-A947-70E740481C1C}">
                 <a14:useLocalDpi xmlns:a14="http://schemas.microsoft.com/office/drawing/2010/main" val="0"/>
@@ -9067,8 +9312,8 @@
         </p:blipFill>
         <p:spPr>
           <a:xfrm>
-            <a:off x="5497048" y="2332037"/>
-            <a:ext cx="4845513" cy="3467100"/>
+            <a:off x="3996199" y="2265682"/>
+            <a:ext cx="4845513" cy="3420421"/>
           </a:xfrm>
           <a:prstGeom prst="rect">
             <a:avLst/>
@@ -9083,7 +9328,7 @@
         </p:nvSpPr>
         <p:spPr>
           <a:xfrm>
-            <a:off x="6662505" y="1841500"/>
+            <a:off x="4901185" y="1800847"/>
             <a:ext cx="3586395" cy="369332"/>
           </a:xfrm>
           <a:prstGeom prst="rect">
@@ -9113,8 +9358,8 @@
         </p:nvCxnSpPr>
         <p:spPr>
           <a:xfrm flipV="1">
-            <a:off x="1231900" y="3402023"/>
-            <a:ext cx="7937500" cy="26979"/>
+            <a:off x="2022506" y="3368351"/>
+            <a:ext cx="8119870" cy="53096"/>
           </a:xfrm>
           <a:prstGeom prst="line">
             <a:avLst/>
@@ -9143,8 +9388,8 @@
         </p:nvCxnSpPr>
         <p:spPr>
           <a:xfrm flipV="1">
-            <a:off x="1193800" y="4923407"/>
-            <a:ext cx="8128000" cy="54993"/>
+            <a:off x="1193800" y="4978401"/>
+            <a:ext cx="10450804" cy="1"/>
           </a:xfrm>
           <a:prstGeom prst="line">
             <a:avLst/>
@@ -9165,39 +9410,36 @@
           </a:fontRef>
         </p:style>
       </p:cxnSp>
-      <p:cxnSp>
-        <p:nvCxnSpPr>
-          <p:cNvPr id="20" name="Straight Arrow Connector 19"/>
-          <p:cNvCxnSpPr/>
+      <p:sp>
+        <p:nvSpPr>
+          <p:cNvPr id="23" name="TextBox 22"/>
+          <p:cNvSpPr txBox="1"/>
           <p:nvPr/>
-        </p:nvCxnSpPr>
+        </p:nvSpPr>
         <p:spPr>
           <a:xfrm>
-            <a:off x="1816100" y="2953388"/>
-            <a:ext cx="5486400" cy="16041"/>
+            <a:off x="9078686" y="5717037"/>
+            <a:ext cx="2472612" cy="646331"/>
           </a:xfrm>
-          <a:prstGeom prst="straightConnector1">
+          <a:prstGeom prst="rect">
             <a:avLst/>
           </a:prstGeom>
-          <a:ln>
-            <a:tailEnd type="triangle"/>
-          </a:ln>
+          <a:noFill/>
         </p:spPr>
-        <p:style>
-          <a:lnRef idx="1">
-            <a:schemeClr val="accent1"/>
-          </a:lnRef>
-          <a:fillRef idx="0">
-            <a:schemeClr val="accent1"/>
-          </a:fillRef>
-          <a:effectRef idx="0">
-            <a:schemeClr val="accent1"/>
-          </a:effectRef>
-          <a:fontRef idx="minor">
-            <a:schemeClr val="tx1"/>
-          </a:fontRef>
-        </p:style>
-      </p:cxnSp>
+        <p:txBody>
+          <a:bodyPr wrap="square" rtlCol="0">
+            <a:spAutoFit/>
+          </a:bodyPr>
+          <a:lstStyle/>
+          <a:p>
+            <a:r>
+              <a:rPr lang="en-US" dirty="0" smtClean="0"/>
+              <a:t>* Result of 2000 simulations</a:t>
+            </a:r>
+            <a:endParaRPr lang="en-US" dirty="0"/>
+          </a:p>
+        </p:txBody>
+      </p:sp>
     </p:spTree>
     <p:extLst>
       <p:ext uri="{BB962C8B-B14F-4D97-AF65-F5344CB8AC3E}">
@@ -9218,7 +9460,7 @@
 </p:sld>
 </file>
 
-<file path=ppt/slides/slide15.xml><?xml version="1.0" encoding="utf-8"?>
+<file path=ppt/slides/slide16.xml><?xml version="1.0" encoding="utf-8"?>
 <p:sld xmlns:a="http://schemas.openxmlformats.org/drawingml/2006/main" xmlns:r="http://schemas.openxmlformats.org/officeDocument/2006/relationships" xmlns:p="http://schemas.openxmlformats.org/presentationml/2006/main">
   <p:cSld>
     <p:spTree>
@@ -9332,9 +9574,9 @@
           <a:p>
             <a:fld id="{5885E35D-D03C-4A4E-A650-32C42C5321BC}" type="slidenum">
               <a:rPr lang="en-US" smtClean="0"/>
-              <a:t>15</a:t>
+              <a:t>16</a:t>
             </a:fld>
-            <a:endParaRPr lang="en-US"/>
+            <a:endParaRPr lang="en-US" dirty="0"/>
           </a:p>
         </p:txBody>
       </p:sp>
@@ -9387,7 +9629,7 @@
         <p:spPr>
           <a:xfrm>
             <a:off x="203200" y="1203881"/>
-            <a:ext cx="2235200" cy="369332"/>
+            <a:ext cx="2235200" cy="400110"/>
           </a:xfrm>
           <a:prstGeom prst="rect">
             <a:avLst/>
@@ -9401,10 +9643,18 @@
           <a:lstStyle/>
           <a:p>
             <a:r>
-              <a:rPr lang="en-US" dirty="0" smtClean="0"/>
+              <a:rPr lang="en-US" sz="2000" dirty="0" smtClean="0">
+                <a:solidFill>
+                  <a:schemeClr val="accent5"/>
+                </a:solidFill>
+              </a:rPr>
               <a:t>Reconstruction</a:t>
             </a:r>
-            <a:endParaRPr lang="en-US" dirty="0"/>
+            <a:endParaRPr lang="en-US" sz="2000" dirty="0">
+              <a:solidFill>
+                <a:schemeClr val="accent5"/>
+              </a:solidFill>
+            </a:endParaRPr>
           </a:p>
         </p:txBody>
       </p:sp>
@@ -9417,7 +9667,7 @@
         <p:spPr>
           <a:xfrm>
             <a:off x="165100" y="4108708"/>
-            <a:ext cx="3352800" cy="369332"/>
+            <a:ext cx="3352800" cy="400110"/>
           </a:xfrm>
           <a:prstGeom prst="rect">
             <a:avLst/>
@@ -9431,10 +9681,26 @@
           <a:lstStyle/>
           <a:p>
             <a:r>
-              <a:rPr lang="en-US" dirty="0" smtClean="0"/>
-              <a:t>simulations</a:t>
-            </a:r>
-            <a:endParaRPr lang="en-US" dirty="0"/>
+              <a:rPr lang="en-US" sz="2000" dirty="0">
+                <a:solidFill>
+                  <a:schemeClr val="accent5"/>
+                </a:solidFill>
+              </a:rPr>
+              <a:t>S</a:t>
+            </a:r>
+            <a:r>
+              <a:rPr lang="en-US" sz="2000" dirty="0" smtClean="0">
+                <a:solidFill>
+                  <a:schemeClr val="accent5"/>
+                </a:solidFill>
+              </a:rPr>
+              <a:t>imulations</a:t>
+            </a:r>
+            <a:endParaRPr lang="en-US" sz="2000" dirty="0">
+              <a:solidFill>
+                <a:schemeClr val="accent5"/>
+              </a:solidFill>
+            </a:endParaRPr>
           </a:p>
         </p:txBody>
       </p:sp>
@@ -9447,7 +9713,7 @@
         <p:spPr>
           <a:xfrm>
             <a:off x="165100" y="5594488"/>
-            <a:ext cx="1270000" cy="369332"/>
+            <a:ext cx="1270000" cy="400110"/>
           </a:xfrm>
           <a:prstGeom prst="rect">
             <a:avLst/>
@@ -9461,10 +9727,18 @@
           <a:lstStyle/>
           <a:p>
             <a:r>
-              <a:rPr lang="en-US" dirty="0" smtClean="0"/>
+              <a:rPr lang="en-US" sz="2000" dirty="0" smtClean="0">
+                <a:solidFill>
+                  <a:schemeClr val="accent5"/>
+                </a:solidFill>
+              </a:rPr>
               <a:t>Analytical</a:t>
             </a:r>
-            <a:endParaRPr lang="en-US" dirty="0"/>
+            <a:endParaRPr lang="en-US" sz="2000" dirty="0">
+              <a:solidFill>
+                <a:schemeClr val="accent5"/>
+              </a:solidFill>
+            </a:endParaRPr>
           </a:p>
         </p:txBody>
       </p:sp>
@@ -9476,8 +9750,8 @@
         </p:nvSpPr>
         <p:spPr>
           <a:xfrm>
-            <a:off x="1143000" y="5963820"/>
-            <a:ext cx="5702300" cy="369332"/>
+            <a:off x="1178169" y="5767368"/>
+            <a:ext cx="5702300" cy="954107"/>
           </a:xfrm>
           <a:prstGeom prst="rect">
             <a:avLst/>
@@ -9495,18 +9769,18 @@
               <a:buChar char="•"/>
             </a:pPr>
             <a:r>
-              <a:rPr lang="en-US" dirty="0" smtClean="0"/>
+              <a:rPr lang="en-US" sz="2800" dirty="0" smtClean="0"/>
               <a:t>Find method to </a:t>
             </a:r>
             <a:r>
-              <a:rPr lang="en-US" dirty="0" err="1" smtClean="0"/>
+              <a:rPr lang="en-US" sz="2800" dirty="0" err="1" smtClean="0"/>
               <a:t>diagonalize</a:t>
             </a:r>
             <a:r>
-              <a:rPr lang="en-US" dirty="0" smtClean="0"/>
+              <a:rPr lang="en-US" sz="2800" dirty="0" smtClean="0"/>
               <a:t> general connectivity matrix</a:t>
             </a:r>
-            <a:endParaRPr lang="en-US" dirty="0"/>
+            <a:endParaRPr lang="en-US" sz="2800" dirty="0"/>
           </a:p>
         </p:txBody>
       </p:sp>
@@ -9527,6 +9801,111 @@
       </p:par>
     </p:tnLst>
   </p:timing>
+</p:sld>
+</file>
+
+<file path=ppt/slides/slide17.xml><?xml version="1.0" encoding="utf-8"?>
+<p:sld xmlns:a="http://schemas.openxmlformats.org/drawingml/2006/main" xmlns:r="http://schemas.openxmlformats.org/officeDocument/2006/relationships" xmlns:p="http://schemas.openxmlformats.org/presentationml/2006/main">
+  <p:cSld>
+    <p:spTree>
+      <p:nvGrpSpPr>
+        <p:cNvPr id="1" name=""/>
+        <p:cNvGrpSpPr/>
+        <p:nvPr/>
+      </p:nvGrpSpPr>
+      <p:grpSpPr>
+        <a:xfrm>
+          <a:off x="0" y="0"/>
+          <a:ext cx="0" cy="0"/>
+          <a:chOff x="0" y="0"/>
+          <a:chExt cx="0" cy="0"/>
+        </a:xfrm>
+      </p:grpSpPr>
+      <p:sp>
+        <p:nvSpPr>
+          <p:cNvPr id="2" name="Title 1"/>
+          <p:cNvSpPr>
+            <a:spLocks noGrp="1"/>
+          </p:cNvSpPr>
+          <p:nvPr>
+            <p:ph type="title"/>
+          </p:nvPr>
+        </p:nvSpPr>
+        <p:spPr/>
+        <p:txBody>
+          <a:bodyPr/>
+          <a:lstStyle/>
+          <a:p>
+            <a:pPr algn="ctr"/>
+            <a:r>
+              <a:rPr lang="en-US" dirty="0" smtClean="0"/>
+              <a:t>To be asked</a:t>
+            </a:r>
+            <a:endParaRPr lang="en-US" dirty="0"/>
+          </a:p>
+        </p:txBody>
+      </p:sp>
+      <p:sp>
+        <p:nvSpPr>
+          <p:cNvPr id="3" name="Content Placeholder 2"/>
+          <p:cNvSpPr>
+            <a:spLocks noGrp="1"/>
+          </p:cNvSpPr>
+          <p:nvPr>
+            <p:ph idx="1"/>
+          </p:nvPr>
+        </p:nvSpPr>
+        <p:spPr/>
+        <p:txBody>
+          <a:bodyPr/>
+          <a:lstStyle/>
+          <a:p>
+            <a:r>
+              <a:rPr lang="en-US" dirty="0" smtClean="0"/>
+              <a:t>Is it possible to find a single polymer structure which represents the data? Maybe a distribution is needed?</a:t>
+            </a:r>
+          </a:p>
+          <a:p>
+            <a:endParaRPr lang="en-US" dirty="0" smtClean="0"/>
+          </a:p>
+          <a:p>
+            <a:endParaRPr lang="en-US" dirty="0"/>
+          </a:p>
+        </p:txBody>
+      </p:sp>
+      <p:sp>
+        <p:nvSpPr>
+          <p:cNvPr id="4" name="Slide Number Placeholder 3"/>
+          <p:cNvSpPr>
+            <a:spLocks noGrp="1"/>
+          </p:cNvSpPr>
+          <p:nvPr>
+            <p:ph type="sldNum" sz="quarter" idx="12"/>
+          </p:nvPr>
+        </p:nvSpPr>
+        <p:spPr/>
+        <p:txBody>
+          <a:bodyPr/>
+          <a:lstStyle/>
+          <a:p>
+            <a:fld id="{5885E35D-D03C-4A4E-A650-32C42C5321BC}" type="slidenum">
+              <a:rPr lang="en-US" smtClean="0"/>
+              <a:t>17</a:t>
+            </a:fld>
+            <a:endParaRPr lang="en-US"/>
+          </a:p>
+        </p:txBody>
+      </p:sp>
+    </p:spTree>
+    <p:extLst>
+      <p:ext uri="{BB962C8B-B14F-4D97-AF65-F5344CB8AC3E}">
+        <p14:creationId xmlns:p14="http://schemas.microsoft.com/office/powerpoint/2010/main" val="331419073"/>
+      </p:ext>
+    </p:extLst>
+  </p:cSld>
+  <p:clrMapOvr>
+    <a:masterClrMapping/>
+  </p:clrMapOvr>
 </p:sld>
 </file>
 
@@ -9607,7 +9986,6 @@
               <a:rPr lang="en-US" dirty="0" smtClean="0"/>
               <a:t>data;</a:t>
             </a:r>
-            <a:endParaRPr lang="en-US" dirty="0" smtClean="0"/>
           </a:p>
           <a:p>
             <a:r>
@@ -9622,10 +10000,18 @@
           <a:p>
             <a:r>
               <a:rPr lang="en-US" dirty="0" smtClean="0"/>
-              <a:t>No temporal information in the encounter frequency;</a:t>
-            </a:r>
-          </a:p>
-          <a:p>
+              <a:t>No temporal information in the encounter frequency</a:t>
+            </a:r>
+            <a:r>
+              <a:rPr lang="en-US" dirty="0" smtClean="0"/>
+              <a:t>;</a:t>
+            </a:r>
+          </a:p>
+          <a:p>
+            <a:r>
+              <a:rPr lang="en-US" dirty="0" smtClean="0"/>
+              <a:t>Non equilibrium properties are not seen;</a:t>
+            </a:r>
             <a:endParaRPr lang="en-US" dirty="0" smtClean="0"/>
           </a:p>
           <a:p>
@@ -10205,9 +10591,39 @@
           </a:prstGeom>
         </p:spPr>
       </p:pic>
+      <p:sp>
+        <p:nvSpPr>
+          <p:cNvPr id="8" name="TextBox 7"/>
+          <p:cNvSpPr txBox="1"/>
+          <p:nvPr/>
+        </p:nvSpPr>
+        <p:spPr>
+          <a:xfrm>
+            <a:off x="4059883" y="1323277"/>
+            <a:ext cx="3276600" cy="369332"/>
+          </a:xfrm>
+          <a:prstGeom prst="rect">
+            <a:avLst/>
+          </a:prstGeom>
+          <a:noFill/>
+        </p:spPr>
+        <p:txBody>
+          <a:bodyPr wrap="square" rtlCol="0">
+            <a:spAutoFit/>
+          </a:bodyPr>
+          <a:lstStyle/>
+          <a:p>
+            <a:r>
+              <a:rPr lang="en-US" dirty="0" smtClean="0"/>
+              <a:t>Encounter Prob. Centered view</a:t>
+            </a:r>
+            <a:endParaRPr lang="en-US" dirty="0"/>
+          </a:p>
+        </p:txBody>
+      </p:sp>
       <p:pic>
         <p:nvPicPr>
-          <p:cNvPr id="7" name="Picture 6"/>
+          <p:cNvPr id="9" name="Picture 8"/>
           <p:cNvPicPr>
             <a:picLocks noChangeAspect="1"/>
           </p:cNvPicPr>
@@ -10227,67 +10643,7 @@
         </p:blipFill>
         <p:spPr>
           <a:xfrm>
-            <a:off x="2757552" y="1862876"/>
-            <a:ext cx="5942936" cy="4314825"/>
-          </a:xfrm>
-          <a:prstGeom prst="rect">
-            <a:avLst/>
-          </a:prstGeom>
-        </p:spPr>
-      </p:pic>
-      <p:sp>
-        <p:nvSpPr>
-          <p:cNvPr id="8" name="TextBox 7"/>
-          <p:cNvSpPr txBox="1"/>
-          <p:nvPr/>
-        </p:nvSpPr>
-        <p:spPr>
-          <a:xfrm>
-            <a:off x="4114800" y="1730375"/>
-            <a:ext cx="3276600" cy="369332"/>
-          </a:xfrm>
-          <a:prstGeom prst="rect">
-            <a:avLst/>
-          </a:prstGeom>
-          <a:noFill/>
-        </p:spPr>
-        <p:txBody>
-          <a:bodyPr wrap="square" rtlCol="0">
-            <a:spAutoFit/>
-          </a:bodyPr>
-          <a:lstStyle/>
-          <a:p>
-            <a:r>
-              <a:rPr lang="en-US" dirty="0" smtClean="0"/>
-              <a:t>Encounter Prob. Centered view</a:t>
-            </a:r>
-            <a:endParaRPr lang="en-US" dirty="0"/>
-          </a:p>
-        </p:txBody>
-      </p:sp>
-      <p:pic>
-        <p:nvPicPr>
-          <p:cNvPr id="9" name="Picture 8"/>
-          <p:cNvPicPr>
-            <a:picLocks noChangeAspect="1"/>
-          </p:cNvPicPr>
-          <p:nvPr/>
-        </p:nvPicPr>
-        <p:blipFill>
-          <a:blip r:embed="rId4">
-            <a:extLst>
-              <a:ext uri="{28A0092B-C50C-407E-A947-70E740481C1C}">
-                <a14:useLocalDpi xmlns:a14="http://schemas.microsoft.com/office/drawing/2010/main" val="0"/>
-              </a:ext>
-            </a:extLst>
-          </a:blip>
-          <a:stretch>
-            <a:fillRect/>
-          </a:stretch>
-        </p:blipFill>
-        <p:spPr>
-          <a:xfrm>
-            <a:off x="8639170" y="1438862"/>
+            <a:off x="8610600" y="1808605"/>
             <a:ext cx="3674065" cy="3986681"/>
           </a:xfrm>
           <a:prstGeom prst="rect">
@@ -11042,7 +11398,7 @@
         </p:nvSpPr>
         <p:spPr>
           <a:xfrm>
-            <a:off x="9441694" y="1148267"/>
+            <a:off x="9410470" y="1293964"/>
             <a:ext cx="1887416" cy="369332"/>
           </a:xfrm>
           <a:prstGeom prst="rect">
@@ -11072,7 +11428,7 @@
         </p:nvSpPr>
         <p:spPr>
           <a:xfrm>
-            <a:off x="912018" y="1730375"/>
+            <a:off x="581040" y="1293964"/>
             <a:ext cx="1845533" cy="369332"/>
           </a:xfrm>
           <a:prstGeom prst="rect">
@@ -11102,7 +11458,7 @@
         </p:nvSpPr>
         <p:spPr>
           <a:xfrm>
-            <a:off x="63137" y="1380893"/>
+            <a:off x="50892" y="1193621"/>
             <a:ext cx="417509" cy="584775"/>
           </a:xfrm>
           <a:prstGeom prst="rect">
@@ -11162,7 +11518,7 @@
         </p:nvSpPr>
         <p:spPr>
           <a:xfrm>
-            <a:off x="3434862" y="1389240"/>
+            <a:off x="3432353" y="1242546"/>
             <a:ext cx="304800" cy="584775"/>
           </a:xfrm>
           <a:prstGeom prst="rect">
@@ -11192,7 +11548,7 @@
         </p:nvSpPr>
         <p:spPr>
           <a:xfrm>
-            <a:off x="8705366" y="1050836"/>
+            <a:off x="8708082" y="1225211"/>
             <a:ext cx="246185" cy="584775"/>
           </a:xfrm>
           <a:prstGeom prst="rect">
@@ -11214,6 +11570,85 @@
           </a:p>
         </p:txBody>
       </p:sp>
+      <p:sp>
+        <p:nvSpPr>
+          <p:cNvPr id="28" name="Rectangle 27"/>
+          <p:cNvSpPr/>
+          <p:nvPr/>
+        </p:nvSpPr>
+        <p:spPr>
+          <a:xfrm>
+            <a:off x="0" y="5096399"/>
+            <a:ext cx="2905125" cy="1761601"/>
+          </a:xfrm>
+          <a:prstGeom prst="rect">
+            <a:avLst/>
+          </a:prstGeom>
+          <a:solidFill>
+            <a:schemeClr val="accent2">
+              <a:lumMod val="75000"/>
+              <a:alpha val="20000"/>
+            </a:schemeClr>
+          </a:solidFill>
+          <a:ln>
+            <a:noFill/>
+          </a:ln>
+        </p:spPr>
+        <p:style>
+          <a:lnRef idx="2">
+            <a:schemeClr val="accent1">
+              <a:shade val="50000"/>
+            </a:schemeClr>
+          </a:lnRef>
+          <a:fillRef idx="1">
+            <a:schemeClr val="accent1"/>
+          </a:fillRef>
+          <a:effectRef idx="0">
+            <a:schemeClr val="accent1"/>
+          </a:effectRef>
+          <a:fontRef idx="minor">
+            <a:schemeClr val="lt1"/>
+          </a:fontRef>
+        </p:style>
+        <p:txBody>
+          <a:bodyPr rtlCol="0" anchor="ctr"/>
+          <a:lstStyle/>
+          <a:p>
+            <a:pPr algn="ctr"/>
+            <a:endParaRPr lang="en-US"/>
+          </a:p>
+        </p:txBody>
+      </p:sp>
+      <p:pic>
+        <p:nvPicPr>
+          <p:cNvPr id="3" name="Picture 2"/>
+          <p:cNvPicPr>
+            <a:picLocks noChangeAspect="1"/>
+          </p:cNvPicPr>
+          <p:nvPr/>
+        </p:nvPicPr>
+        <p:blipFill>
+          <a:blip r:embed="rId4">
+            <a:extLst>
+              <a:ext uri="{28A0092B-C50C-407E-A947-70E740481C1C}">
+                <a14:useLocalDpi xmlns:a14="http://schemas.microsoft.com/office/drawing/2010/main" val="0"/>
+              </a:ext>
+            </a:extLst>
+          </a:blip>
+          <a:stretch>
+            <a:fillRect/>
+          </a:stretch>
+        </p:blipFill>
+        <p:spPr>
+          <a:xfrm>
+            <a:off x="3336497" y="1808605"/>
+            <a:ext cx="5088033" cy="4369096"/>
+          </a:xfrm>
+          <a:prstGeom prst="rect">
+            <a:avLst/>
+          </a:prstGeom>
+        </p:spPr>
+      </p:pic>
       <p:sp>
         <p:nvSpPr>
           <p:cNvPr id="29" name="Rectangle 28"/>
@@ -11281,56 +11716,7 @@
           <a:solidFill>
             <a:schemeClr val="accent6">
               <a:lumMod val="75000"/>
-              <a:alpha val="13000"/>
-            </a:schemeClr>
-          </a:solidFill>
-          <a:ln>
-            <a:noFill/>
-          </a:ln>
-        </p:spPr>
-        <p:style>
-          <a:lnRef idx="2">
-            <a:schemeClr val="accent1">
-              <a:shade val="50000"/>
-            </a:schemeClr>
-          </a:lnRef>
-          <a:fillRef idx="1">
-            <a:schemeClr val="accent1"/>
-          </a:fillRef>
-          <a:effectRef idx="0">
-            <a:schemeClr val="accent1"/>
-          </a:effectRef>
-          <a:fontRef idx="minor">
-            <a:schemeClr val="lt1"/>
-          </a:fontRef>
-        </p:style>
-        <p:txBody>
-          <a:bodyPr rtlCol="0" anchor="ctr"/>
-          <a:lstStyle/>
-          <a:p>
-            <a:pPr algn="ctr"/>
-            <a:endParaRPr lang="en-US"/>
-          </a:p>
-        </p:txBody>
-      </p:sp>
-      <p:sp>
-        <p:nvSpPr>
-          <p:cNvPr id="28" name="Rectangle 27"/>
-          <p:cNvSpPr/>
-          <p:nvPr/>
-        </p:nvSpPr>
-        <p:spPr>
-          <a:xfrm>
-            <a:off x="0" y="5096399"/>
-            <a:ext cx="2905125" cy="1761601"/>
-          </a:xfrm>
-          <a:prstGeom prst="rect">
-            <a:avLst/>
-          </a:prstGeom>
-          <a:solidFill>
-            <a:schemeClr val="accent2">
-              <a:lumMod val="75000"/>
-              <a:alpha val="20000"/>
+              <a:alpha val="8000"/>
             </a:schemeClr>
           </a:solidFill>
           <a:ln>
@@ -11469,8 +11855,8 @@
         </p:blipFill>
         <p:spPr>
           <a:xfrm>
-            <a:off x="4091093" y="3999449"/>
-            <a:ext cx="4195657" cy="1809750"/>
+            <a:off x="3984539" y="3824288"/>
+            <a:ext cx="4671902" cy="1809750"/>
           </a:xfrm>
           <a:prstGeom prst="rect">
             <a:avLst/>
@@ -11492,6 +11878,7 @@
           <a:bodyPr/>
           <a:lstStyle/>
           <a:p>
+            <a:pPr algn="ctr"/>
             <a:r>
               <a:rPr lang="en-US" dirty="0" smtClean="0"/>
               <a:t>Reconstruction output</a:t>
@@ -11529,228 +11916,213 @@
           </a:xfrm>
         </p:spPr>
       </p:pic>
+      <p:pic>
+        <p:nvPicPr>
+          <p:cNvPr id="6" name="Picture 5"/>
+          <p:cNvPicPr>
+            <a:picLocks noChangeAspect="1"/>
+          </p:cNvPicPr>
+          <p:nvPr/>
+        </p:nvPicPr>
+        <p:blipFill>
+          <a:blip r:embed="rId5">
+            <a:extLst>
+              <a:ext uri="{28A0092B-C50C-407E-A947-70E740481C1C}">
+                <a14:useLocalDpi xmlns:a14="http://schemas.microsoft.com/office/drawing/2010/main" val="0"/>
+              </a:ext>
+            </a:extLst>
+          </a:blip>
+          <a:stretch>
+            <a:fillRect/>
+          </a:stretch>
+        </p:blipFill>
+        <p:spPr>
+          <a:xfrm>
+            <a:off x="6235219" y="2305420"/>
+            <a:ext cx="4152900" cy="3531366"/>
+          </a:xfrm>
+          <a:prstGeom prst="rect">
+            <a:avLst/>
+          </a:prstGeom>
+        </p:spPr>
+      </p:pic>
       <p:grpSp>
         <p:nvGrpSpPr>
-          <p:cNvPr id="46" name="Group 45"/>
+          <p:cNvPr id="13" name="Group 12"/>
           <p:cNvGrpSpPr/>
           <p:nvPr/>
         </p:nvGrpSpPr>
         <p:grpSpPr>
           <a:xfrm>
-            <a:off x="6210300" y="2318926"/>
-            <a:ext cx="4152900" cy="3752850"/>
-            <a:chOff x="5245100" y="2336800"/>
-            <a:chExt cx="4152900" cy="3752850"/>
+            <a:off x="7112481" y="6047223"/>
+            <a:ext cx="2298700" cy="674252"/>
+            <a:chOff x="9373081" y="2755900"/>
+            <a:chExt cx="2298700" cy="763304"/>
           </a:xfrm>
         </p:grpSpPr>
-        <p:pic>
-          <p:nvPicPr>
-            <p:cNvPr id="6" name="Picture 5"/>
-            <p:cNvPicPr>
-              <a:picLocks noChangeAspect="1"/>
-            </p:cNvPicPr>
+        <p:sp>
+          <p:nvSpPr>
+            <p:cNvPr id="9" name="Rectangle 8"/>
+            <p:cNvSpPr/>
             <p:nvPr/>
-          </p:nvPicPr>
-          <p:blipFill>
-            <a:blip r:embed="rId5">
-              <a:extLst>
-                <a:ext uri="{28A0092B-C50C-407E-A947-70E740481C1C}">
-                  <a14:useLocalDpi xmlns:a14="http://schemas.microsoft.com/office/drawing/2010/main" val="0"/>
-                </a:ext>
-              </a:extLst>
-            </a:blip>
-            <a:stretch>
-              <a:fillRect/>
-            </a:stretch>
-          </p:blipFill>
+          </p:nvSpPr>
           <p:spPr>
             <a:xfrm>
-              <a:off x="5245100" y="2336800"/>
-              <a:ext cx="4152900" cy="3390900"/>
+              <a:off x="9373081" y="2757204"/>
+              <a:ext cx="2298700" cy="762000"/>
             </a:xfrm>
             <a:prstGeom prst="rect">
               <a:avLst/>
             </a:prstGeom>
           </p:spPr>
-        </p:pic>
-        <p:grpSp>
-          <p:nvGrpSpPr>
-            <p:cNvPr id="13" name="Group 12"/>
-            <p:cNvGrpSpPr/>
+          <p:style>
+            <a:lnRef idx="2">
+              <a:schemeClr val="accent1">
+                <a:shade val="50000"/>
+              </a:schemeClr>
+            </a:lnRef>
+            <a:fillRef idx="1">
+              <a:schemeClr val="accent1"/>
+            </a:fillRef>
+            <a:effectRef idx="0">
+              <a:schemeClr val="accent1"/>
+            </a:effectRef>
+            <a:fontRef idx="minor">
+              <a:schemeClr val="lt1"/>
+            </a:fontRef>
+          </p:style>
+          <p:txBody>
+            <a:bodyPr rtlCol="0" anchor="ctr"/>
+            <a:lstStyle/>
+            <a:p>
+              <a:pPr algn="ctr"/>
+              <a:endParaRPr lang="en-US"/>
+            </a:p>
+          </p:txBody>
+        </p:sp>
+        <p:sp>
+          <p:nvSpPr>
+            <p:cNvPr id="10" name="Rectangle 9"/>
+            <p:cNvSpPr/>
             <p:nvPr/>
-          </p:nvGrpSpPr>
-          <p:grpSpPr>
+          </p:nvSpPr>
+          <p:spPr>
             <a:xfrm>
-              <a:off x="6096000" y="5416550"/>
-              <a:ext cx="2298700" cy="673100"/>
-              <a:chOff x="9321800" y="2755900"/>
-              <a:chExt cx="2298700" cy="762000"/>
+              <a:off x="9436100" y="2819400"/>
+              <a:ext cx="241300" cy="203200"/>
             </a:xfrm>
-          </p:grpSpPr>
-          <p:sp>
-            <p:nvSpPr>
-              <p:cNvPr id="9" name="Rectangle 8"/>
-              <p:cNvSpPr/>
-              <p:nvPr/>
-            </p:nvSpPr>
-            <p:spPr>
-              <a:xfrm>
-                <a:off x="9321800" y="2755900"/>
-                <a:ext cx="2298700" cy="762000"/>
-              </a:xfrm>
-              <a:prstGeom prst="rect">
-                <a:avLst/>
-              </a:prstGeom>
-            </p:spPr>
-            <p:style>
-              <a:lnRef idx="2">
-                <a:schemeClr val="accent1">
-                  <a:shade val="50000"/>
-                </a:schemeClr>
-              </a:lnRef>
-              <a:fillRef idx="1">
-                <a:schemeClr val="accent1"/>
-              </a:fillRef>
-              <a:effectRef idx="0">
-                <a:schemeClr val="accent1"/>
-              </a:effectRef>
-              <a:fontRef idx="minor">
-                <a:schemeClr val="lt1"/>
-              </a:fontRef>
-            </p:style>
-            <p:txBody>
-              <a:bodyPr rtlCol="0" anchor="ctr"/>
-              <a:lstStyle/>
-              <a:p>
-                <a:pPr algn="ctr"/>
-                <a:endParaRPr lang="en-US"/>
-              </a:p>
-            </p:txBody>
-          </p:sp>
-          <p:sp>
-            <p:nvSpPr>
-              <p:cNvPr id="10" name="Rectangle 9"/>
-              <p:cNvSpPr/>
-              <p:nvPr/>
-            </p:nvSpPr>
-            <p:spPr>
-              <a:xfrm>
-                <a:off x="9436100" y="2819400"/>
-                <a:ext cx="241300" cy="203200"/>
-              </a:xfrm>
-              <a:prstGeom prst="rect">
-                <a:avLst/>
-              </a:prstGeom>
-              <a:solidFill>
-                <a:schemeClr val="bg1"/>
-              </a:solidFill>
-            </p:spPr>
-            <p:style>
-              <a:lnRef idx="2">
-                <a:schemeClr val="accent1">
-                  <a:shade val="50000"/>
-                </a:schemeClr>
-              </a:lnRef>
-              <a:fillRef idx="1">
-                <a:schemeClr val="accent1"/>
-              </a:fillRef>
-              <a:effectRef idx="0">
-                <a:schemeClr val="accent1"/>
-              </a:effectRef>
-              <a:fontRef idx="minor">
-                <a:schemeClr val="lt1"/>
-              </a:fontRef>
-            </p:style>
-            <p:txBody>
-              <a:bodyPr rtlCol="0" anchor="ctr"/>
-              <a:lstStyle/>
-              <a:p>
-                <a:pPr algn="ctr"/>
-                <a:endParaRPr lang="en-US"/>
-              </a:p>
-            </p:txBody>
-          </p:sp>
-          <p:sp>
-            <p:nvSpPr>
-              <p:cNvPr id="11" name="Rectangle 10"/>
-              <p:cNvSpPr/>
-              <p:nvPr/>
-            </p:nvSpPr>
-            <p:spPr>
-              <a:xfrm>
-                <a:off x="9436100" y="3200400"/>
-                <a:ext cx="228600" cy="228600"/>
-              </a:xfrm>
-              <a:prstGeom prst="rect">
-                <a:avLst/>
-              </a:prstGeom>
-              <a:solidFill>
-                <a:schemeClr val="tx1"/>
-              </a:solidFill>
-            </p:spPr>
-            <p:style>
-              <a:lnRef idx="2">
-                <a:schemeClr val="accent1">
-                  <a:shade val="50000"/>
-                </a:schemeClr>
-              </a:lnRef>
-              <a:fillRef idx="1">
-                <a:schemeClr val="accent1"/>
-              </a:fillRef>
-              <a:effectRef idx="0">
-                <a:schemeClr val="accent1"/>
-              </a:effectRef>
-              <a:fontRef idx="minor">
-                <a:schemeClr val="lt1"/>
-              </a:fontRef>
-            </p:style>
-            <p:txBody>
-              <a:bodyPr rtlCol="0" anchor="ctr"/>
-              <a:lstStyle/>
-              <a:p>
-                <a:pPr algn="ctr"/>
-                <a:endParaRPr lang="en-US"/>
-              </a:p>
-            </p:txBody>
-          </p:sp>
-          <p:sp>
-            <p:nvSpPr>
-              <p:cNvPr id="12" name="TextBox 11"/>
-              <p:cNvSpPr txBox="1"/>
-              <p:nvPr/>
-            </p:nvSpPr>
-            <p:spPr>
-              <a:xfrm>
-                <a:off x="9677400" y="2755900"/>
-                <a:ext cx="1803400" cy="646331"/>
-              </a:xfrm>
-              <a:prstGeom prst="rect">
-                <a:avLst/>
-              </a:prstGeom>
-              <a:noFill/>
-            </p:spPr>
-            <p:txBody>
-              <a:bodyPr wrap="square" rtlCol="0">
-                <a:spAutoFit/>
-              </a:bodyPr>
-              <a:lstStyle/>
-              <a:p>
-                <a:r>
-                  <a:rPr lang="en-US" dirty="0" smtClean="0"/>
-                  <a:t>Connected</a:t>
-                </a:r>
-                <a:br>
-                  <a:rPr lang="en-US" dirty="0" smtClean="0"/>
-                </a:br>
-                <a:r>
-                  <a:rPr lang="en-US" dirty="0" smtClean="0"/>
-                  <a:t>Not connected</a:t>
-                </a:r>
-                <a:endParaRPr lang="en-US" dirty="0"/>
-              </a:p>
-            </p:txBody>
-          </p:sp>
-        </p:grpSp>
+            <a:prstGeom prst="rect">
+              <a:avLst/>
+            </a:prstGeom>
+            <a:solidFill>
+              <a:schemeClr val="bg1"/>
+            </a:solidFill>
+          </p:spPr>
+          <p:style>
+            <a:lnRef idx="2">
+              <a:schemeClr val="accent1">
+                <a:shade val="50000"/>
+              </a:schemeClr>
+            </a:lnRef>
+            <a:fillRef idx="1">
+              <a:schemeClr val="accent1"/>
+            </a:fillRef>
+            <a:effectRef idx="0">
+              <a:schemeClr val="accent1"/>
+            </a:effectRef>
+            <a:fontRef idx="minor">
+              <a:schemeClr val="lt1"/>
+            </a:fontRef>
+          </p:style>
+          <p:txBody>
+            <a:bodyPr rtlCol="0" anchor="ctr"/>
+            <a:lstStyle/>
+            <a:p>
+              <a:pPr algn="ctr"/>
+              <a:endParaRPr lang="en-US"/>
+            </a:p>
+          </p:txBody>
+        </p:sp>
+        <p:sp>
+          <p:nvSpPr>
+            <p:cNvPr id="11" name="Rectangle 10"/>
+            <p:cNvSpPr/>
+            <p:nvPr/>
+          </p:nvSpPr>
+          <p:spPr>
+            <a:xfrm>
+              <a:off x="9436100" y="3200400"/>
+              <a:ext cx="228600" cy="228600"/>
+            </a:xfrm>
+            <a:prstGeom prst="rect">
+              <a:avLst/>
+            </a:prstGeom>
+            <a:solidFill>
+              <a:schemeClr val="tx1"/>
+            </a:solidFill>
+          </p:spPr>
+          <p:style>
+            <a:lnRef idx="2">
+              <a:schemeClr val="accent1">
+                <a:shade val="50000"/>
+              </a:schemeClr>
+            </a:lnRef>
+            <a:fillRef idx="1">
+              <a:schemeClr val="accent1"/>
+            </a:fillRef>
+            <a:effectRef idx="0">
+              <a:schemeClr val="accent1"/>
+            </a:effectRef>
+            <a:fontRef idx="minor">
+              <a:schemeClr val="lt1"/>
+            </a:fontRef>
+          </p:style>
+          <p:txBody>
+            <a:bodyPr rtlCol="0" anchor="ctr"/>
+            <a:lstStyle/>
+            <a:p>
+              <a:pPr algn="ctr"/>
+              <a:endParaRPr lang="en-US"/>
+            </a:p>
+          </p:txBody>
+        </p:sp>
+        <p:sp>
+          <p:nvSpPr>
+            <p:cNvPr id="12" name="TextBox 11"/>
+            <p:cNvSpPr txBox="1"/>
+            <p:nvPr/>
+          </p:nvSpPr>
+          <p:spPr>
+            <a:xfrm>
+              <a:off x="9677400" y="2755900"/>
+              <a:ext cx="1803400" cy="646331"/>
+            </a:xfrm>
+            <a:prstGeom prst="rect">
+              <a:avLst/>
+            </a:prstGeom>
+            <a:noFill/>
+          </p:spPr>
+          <p:txBody>
+            <a:bodyPr wrap="square" rtlCol="0">
+              <a:spAutoFit/>
+            </a:bodyPr>
+            <a:lstStyle/>
+            <a:p>
+              <a:r>
+                <a:rPr lang="en-US" dirty="0" smtClean="0"/>
+                <a:t>Connected</a:t>
+              </a:r>
+              <a:br>
+                <a:rPr lang="en-US" dirty="0" smtClean="0"/>
+              </a:br>
+              <a:r>
+                <a:rPr lang="en-US" dirty="0" smtClean="0"/>
+                <a:t>Not connected</a:t>
+              </a:r>
+              <a:endParaRPr lang="en-US" dirty="0"/>
+            </a:p>
+          </p:txBody>
+        </p:sp>
       </p:grpSp>
       <p:sp>
         <p:nvSpPr>
@@ -11831,7 +12203,7 @@
               <a:rPr lang="en-US" smtClean="0"/>
               <a:t>5</a:t>
             </a:fld>
-            <a:endParaRPr lang="en-US"/>
+            <a:endParaRPr lang="en-US" dirty="0"/>
           </a:p>
         </p:txBody>
       </p:sp>
@@ -12618,6 +12990,178 @@
           </a:p>
         </p:txBody>
       </p:sp>
+      <p:sp>
+        <p:nvSpPr>
+          <p:cNvPr id="3" name="5-Point Star 2"/>
+          <p:cNvSpPr/>
+          <p:nvPr/>
+        </p:nvSpPr>
+        <p:spPr>
+          <a:xfrm>
+            <a:off x="6002214" y="2409649"/>
+            <a:ext cx="475617" cy="674208"/>
+          </a:xfrm>
+          <a:prstGeom prst="star5">
+            <a:avLst/>
+          </a:prstGeom>
+          <a:solidFill>
+            <a:schemeClr val="accent4">
+              <a:lumMod val="60000"/>
+              <a:lumOff val="40000"/>
+            </a:schemeClr>
+          </a:solidFill>
+        </p:spPr>
+        <p:style>
+          <a:lnRef idx="2">
+            <a:schemeClr val="accent1">
+              <a:shade val="50000"/>
+            </a:schemeClr>
+          </a:lnRef>
+          <a:fillRef idx="1">
+            <a:schemeClr val="accent1"/>
+          </a:fillRef>
+          <a:effectRef idx="0">
+            <a:schemeClr val="accent1"/>
+          </a:effectRef>
+          <a:fontRef idx="minor">
+            <a:schemeClr val="lt1"/>
+          </a:fontRef>
+        </p:style>
+        <p:txBody>
+          <a:bodyPr rtlCol="0" anchor="ctr"/>
+          <a:lstStyle/>
+          <a:p>
+            <a:pPr algn="ctr"/>
+            <a:endParaRPr lang="en-US"/>
+          </a:p>
+        </p:txBody>
+      </p:sp>
+      <p:cxnSp>
+        <p:nvCxnSpPr>
+          <p:cNvPr id="8" name="Straight Arrow Connector 7"/>
+          <p:cNvCxnSpPr/>
+          <p:nvPr/>
+        </p:nvCxnSpPr>
+        <p:spPr>
+          <a:xfrm>
+            <a:off x="6791761" y="5482997"/>
+            <a:ext cx="2543907" cy="0"/>
+          </a:xfrm>
+          <a:prstGeom prst="straightConnector1">
+            <a:avLst/>
+          </a:prstGeom>
+          <a:ln>
+            <a:tailEnd type="triangle"/>
+          </a:ln>
+        </p:spPr>
+        <p:style>
+          <a:lnRef idx="1">
+            <a:schemeClr val="accent1"/>
+          </a:lnRef>
+          <a:fillRef idx="0">
+            <a:schemeClr val="accent1"/>
+          </a:fillRef>
+          <a:effectRef idx="0">
+            <a:schemeClr val="accent1"/>
+          </a:effectRef>
+          <a:fontRef idx="minor">
+            <a:schemeClr val="tx1"/>
+          </a:fontRef>
+        </p:style>
+      </p:cxnSp>
+      <p:sp>
+        <p:nvSpPr>
+          <p:cNvPr id="16" name="TextBox 15"/>
+          <p:cNvSpPr txBox="1"/>
+          <p:nvPr/>
+        </p:nvSpPr>
+        <p:spPr>
+          <a:xfrm>
+            <a:off x="7065780" y="5621232"/>
+            <a:ext cx="1656381" cy="369332"/>
+          </a:xfrm>
+          <a:prstGeom prst="rect">
+            <a:avLst/>
+          </a:prstGeom>
+          <a:noFill/>
+        </p:spPr>
+        <p:txBody>
+          <a:bodyPr wrap="square" rtlCol="0">
+            <a:spAutoFit/>
+          </a:bodyPr>
+          <a:lstStyle/>
+          <a:p>
+            <a:r>
+              <a:rPr lang="en-US" dirty="0" smtClean="0"/>
+              <a:t>Bead Num.</a:t>
+            </a:r>
+            <a:endParaRPr lang="en-US" dirty="0"/>
+          </a:p>
+        </p:txBody>
+      </p:sp>
+      <p:cxnSp>
+        <p:nvCxnSpPr>
+          <p:cNvPr id="18" name="Straight Arrow Connector 17"/>
+          <p:cNvCxnSpPr/>
+          <p:nvPr/>
+        </p:nvCxnSpPr>
+        <p:spPr>
+          <a:xfrm flipV="1">
+            <a:off x="6791761" y="3873286"/>
+            <a:ext cx="0" cy="1607608"/>
+          </a:xfrm>
+          <a:prstGeom prst="straightConnector1">
+            <a:avLst/>
+          </a:prstGeom>
+          <a:ln>
+            <a:tailEnd type="triangle"/>
+          </a:ln>
+        </p:spPr>
+        <p:style>
+          <a:lnRef idx="1">
+            <a:schemeClr val="accent1"/>
+          </a:lnRef>
+          <a:fillRef idx="0">
+            <a:schemeClr val="accent1"/>
+          </a:fillRef>
+          <a:effectRef idx="0">
+            <a:schemeClr val="accent1"/>
+          </a:effectRef>
+          <a:fontRef idx="minor">
+            <a:schemeClr val="tx1"/>
+          </a:fontRef>
+        </p:style>
+      </p:cxnSp>
+      <p:sp>
+        <p:nvSpPr>
+          <p:cNvPr id="20" name="TextBox 19"/>
+          <p:cNvSpPr txBox="1"/>
+          <p:nvPr/>
+        </p:nvSpPr>
+        <p:spPr>
+          <a:xfrm>
+            <a:off x="6288054" y="3196924"/>
+            <a:ext cx="461665" cy="2218406"/>
+          </a:xfrm>
+          <a:prstGeom prst="rect">
+            <a:avLst/>
+          </a:prstGeom>
+          <a:noFill/>
+        </p:spPr>
+        <p:txBody>
+          <a:bodyPr vert="vert270" wrap="square" rtlCol="0">
+            <a:spAutoFit/>
+          </a:bodyPr>
+          <a:lstStyle/>
+          <a:p>
+            <a:r>
+              <a:rPr lang="en-US" dirty="0" smtClean="0"/>
+              <a:t>Bead num.</a:t>
+            </a:r>
+            <a:endParaRPr lang="en-US" dirty="0"/>
+          </a:p>
+        </p:txBody>
+      </p:sp>
     </p:spTree>
     <p:extLst>
       <p:ext uri="{BB962C8B-B14F-4D97-AF65-F5344CB8AC3E}">
@@ -12670,6 +13214,7 @@
           <a:bodyPr/>
           <a:lstStyle/>
           <a:p>
+            <a:pPr algn="ctr"/>
             <a:r>
               <a:rPr lang="en-US" dirty="0" smtClean="0"/>
               <a:t>Scope and assumptions</a:t>
@@ -12713,8 +13258,13 @@
             </a:r>
             <a:r>
               <a:rPr lang="en-US" dirty="0" smtClean="0"/>
-              <a:t> data is “noisy”; </a:t>
-            </a:r>
+              <a:t> data is “</a:t>
+            </a:r>
+            <a:r>
+              <a:rPr lang="en-US" dirty="0" smtClean="0"/>
+              <a:t>noisy” (discretization, missing counts); </a:t>
+            </a:r>
+            <a:endParaRPr lang="en-US" dirty="0" smtClean="0"/>
           </a:p>
           <a:p>
             <a:r>
@@ -13034,6 +13584,31 @@
                                   </a:rPr>
                                   <m:t>𝜋</m:t>
                                 </m:r>
+                                <m:sSup>
+                                  <m:sSupPr>
+                                    <m:ctrlPr>
+                                      <a:rPr lang="en-US" sz="2100" b="0" i="1" smtClean="0">
+                                        <a:latin typeface="Cambria Math" panose="02040503050406030204" pitchFamily="18" charset="0"/>
+                                      </a:rPr>
+                                    </m:ctrlPr>
+                                  </m:sSupPr>
+                                  <m:e>
+                                    <m:r>
+                                      <a:rPr lang="en-US" sz="2100" b="0" i="1" smtClean="0">
+                                        <a:latin typeface="Cambria Math" panose="02040503050406030204" pitchFamily="18" charset="0"/>
+                                      </a:rPr>
+                                      <m:t>𝑏</m:t>
+                                    </m:r>
+                                  </m:e>
+                                  <m:sup>
+                                    <m:r>
+                                      <a:rPr lang="en-US" sz="2100" b="0" i="1" smtClean="0">
+                                        <a:latin typeface="Cambria Math" panose="02040503050406030204" pitchFamily="18" charset="0"/>
+                                      </a:rPr>
+                                      <m:t>2</m:t>
+                                    </m:r>
+                                  </m:sup>
+                                </m:sSup>
                                 <m:d>
                                   <m:dPr>
                                     <m:begChr m:val="|"/>
@@ -13468,6 +14043,31 @@
                                   </a:rPr>
                                   <m:t>𝜋</m:t>
                                 </m:r>
+                                <m:sSup>
+                                  <m:sSupPr>
+                                    <m:ctrlPr>
+                                      <a:rPr lang="en-US" sz="2100" b="0" i="1" smtClean="0">
+                                        <a:latin typeface="Cambria Math" panose="02040503050406030204" pitchFamily="18" charset="0"/>
+                                      </a:rPr>
+                                    </m:ctrlPr>
+                                  </m:sSupPr>
+                                  <m:e>
+                                    <m:r>
+                                      <a:rPr lang="en-US" sz="2100" b="0" i="1" smtClean="0">
+                                        <a:latin typeface="Cambria Math" panose="02040503050406030204" pitchFamily="18" charset="0"/>
+                                      </a:rPr>
+                                      <m:t>𝑏</m:t>
+                                    </m:r>
+                                  </m:e>
+                                  <m:sup>
+                                    <m:r>
+                                      <a:rPr lang="en-US" sz="2100" b="0" i="1" smtClean="0">
+                                        <a:latin typeface="Cambria Math" panose="02040503050406030204" pitchFamily="18" charset="0"/>
+                                      </a:rPr>
+                                      <m:t>2</m:t>
+                                    </m:r>
+                                  </m:sup>
+                                </m:sSup>
                                 <m:r>
                                   <a:rPr lang="en-US" sz="2100" b="0" i="1" smtClean="0">
                                     <a:latin typeface="Cambria Math" panose="02040503050406030204" pitchFamily="18" charset="0"/>
@@ -13710,6 +14310,13 @@
                 </a:br>
                 <a:r>
                   <a:rPr lang="en-US" sz="2100" dirty="0" smtClean="0"/>
+                  <a:t/>
+                </a:r>
+                <a:br>
+                  <a:rPr lang="en-US" sz="2100" dirty="0" smtClean="0"/>
+                </a:br>
+                <a:r>
+                  <a:rPr lang="en-US" sz="2100" dirty="0" smtClean="0"/>
                   <a:t>setting </a:t>
                 </a:r>
                 <a14:m>
@@ -13737,16 +14344,9 @@
                 <a:endParaRPr lang="en-US" sz="2100" dirty="0" smtClean="0"/>
               </a:p>
               <a:p>
-                <a:endParaRPr lang="en-US" sz="2100" dirty="0" smtClean="0"/>
-              </a:p>
-              <a:p>
                 <a:r>
                   <a:rPr lang="en-US" sz="2100" dirty="0" smtClean="0"/>
-                  <a:t>I</a:t>
-                </a:r>
-                <a:r>
-                  <a:rPr lang="en-US" sz="2100" dirty="0" smtClean="0"/>
-                  <a:t>n a composite structure, the vector is given by the addition of two Normally distributed vectors </a:t>
+                  <a:t>In a composite structure, the vector is given by the addition of two Normally distributed vectors </a:t>
                 </a:r>
                 <a:endParaRPr lang="en-US" sz="2100" b="0" i="1" dirty="0" smtClean="0">
                   <a:latin typeface="Cambria Math" panose="02040503050406030204" pitchFamily="18" charset="0"/>
@@ -13971,56 +14571,12 @@
                             </a:rPr>
                             <m:t>;</m:t>
                           </m:r>
-                          <m:d>
-                            <m:dPr>
-                              <m:begChr m:val="|"/>
-                              <m:endChr m:val="|"/>
-                              <m:ctrlPr>
-                                <a:rPr lang="en-US" sz="2100" b="0" i="1" smtClean="0">
-                                  <a:latin typeface="Cambria Math" panose="02040503050406030204" pitchFamily="18" charset="0"/>
-                                </a:rPr>
-                              </m:ctrlPr>
-                            </m:dPr>
-                            <m:e>
-                              <m:sSub>
-                                <m:sSubPr>
-                                  <m:ctrlPr>
-                                    <a:rPr lang="en-US" sz="2100" b="0" i="1" smtClean="0">
-                                      <a:latin typeface="Cambria Math" panose="02040503050406030204" pitchFamily="18" charset="0"/>
-                                    </a:rPr>
-                                  </m:ctrlPr>
-                                </m:sSubPr>
-                                <m:e>
-                                  <m:r>
-                                    <a:rPr lang="en-US" sz="2100" b="0" i="1" smtClean="0">
-                                      <a:latin typeface="Cambria Math" panose="02040503050406030204" pitchFamily="18" charset="0"/>
-                                    </a:rPr>
-                                    <m:t>𝑁</m:t>
-                                  </m:r>
-                                </m:e>
-                                <m:sub>
-                                  <m:r>
-                                    <a:rPr lang="en-US" sz="2100" b="0" i="1" smtClean="0">
-                                      <a:latin typeface="Cambria Math" panose="02040503050406030204" pitchFamily="18" charset="0"/>
-                                    </a:rPr>
-                                    <m:t>𝑐</m:t>
-                                  </m:r>
-                                </m:sub>
-                              </m:sSub>
-                              <m:r>
-                                <a:rPr lang="en-US" sz="2100" b="0" i="1" smtClean="0">
-                                  <a:latin typeface="Cambria Math" panose="02040503050406030204" pitchFamily="18" charset="0"/>
-                                </a:rPr>
-                                <m:t>−</m:t>
-                              </m:r>
-                              <m:r>
-                                <a:rPr lang="en-US" sz="2100" b="0" i="1" smtClean="0">
-                                  <a:latin typeface="Cambria Math" panose="02040503050406030204" pitchFamily="18" charset="0"/>
-                                </a:rPr>
-                                <m:t>𝑚</m:t>
-                              </m:r>
-                            </m:e>
-                          </m:d>
+                          <m:r>
+                            <a:rPr lang="en-US" sz="2100" b="0" i="1" smtClean="0">
+                              <a:latin typeface="Cambria Math" panose="02040503050406030204" pitchFamily="18" charset="0"/>
+                            </a:rPr>
+                            <m:t>𝑚</m:t>
+                          </m:r>
                         </m:e>
                       </m:d>
                     </m:oMath>
@@ -14029,7 +14585,13 @@
                 <a:endParaRPr lang="en-US" sz="2100" dirty="0" smtClean="0"/>
               </a:p>
               <a:p>
-                <a:endParaRPr lang="en-US" sz="2100" dirty="0" smtClean="0"/>
+                <a:pPr marL="0" indent="0">
+                  <a:buNone/>
+                </a:pPr>
+                <a:r>
+                  <a:rPr lang="en-US" sz="2100" dirty="0" smtClean="0"/>
+                  <a:t>    which is Normally distributed</a:t>
+                </a:r>
               </a:p>
               <a:p>
                 <a:pPr marL="0" indent="0">
@@ -14219,21 +14781,21 @@
       </p:sp>
       <p:sp>
         <p:nvSpPr>
-          <p:cNvPr id="10" name="Rectangle 9"/>
+          <p:cNvPr id="9" name="Rectangle 8"/>
           <p:cNvSpPr/>
           <p:nvPr/>
         </p:nvSpPr>
         <p:spPr>
           <a:xfrm>
-            <a:off x="285750" y="2462646"/>
-            <a:ext cx="11906250" cy="1680073"/>
+            <a:off x="285750" y="919027"/>
+            <a:ext cx="11995150" cy="1567299"/>
           </a:xfrm>
           <a:prstGeom prst="rect">
             <a:avLst/>
           </a:prstGeom>
           <a:solidFill>
             <a:schemeClr val="accent1">
-              <a:alpha val="14000"/>
+              <a:alpha val="27000"/>
             </a:schemeClr>
           </a:solidFill>
           <a:ln>
@@ -14267,21 +14829,21 @@
       </p:sp>
       <p:sp>
         <p:nvSpPr>
-          <p:cNvPr id="9" name="Rectangle 8"/>
+          <p:cNvPr id="10" name="Rectangle 9"/>
           <p:cNvSpPr/>
           <p:nvPr/>
         </p:nvSpPr>
         <p:spPr>
           <a:xfrm>
-            <a:off x="285750" y="919027"/>
-            <a:ext cx="11995150" cy="1567299"/>
+            <a:off x="285750" y="2462646"/>
+            <a:ext cx="11906250" cy="1680073"/>
           </a:xfrm>
           <a:prstGeom prst="rect">
             <a:avLst/>
           </a:prstGeom>
           <a:solidFill>
             <a:schemeClr val="accent1">
-              <a:alpha val="35000"/>
+              <a:alpha val="14000"/>
             </a:schemeClr>
           </a:solidFill>
           <a:ln>
@@ -14360,6 +14922,172 @@
             <p:ph type="title"/>
           </p:nvPr>
         </p:nvSpPr>
+        <p:spPr/>
+        <p:txBody>
+          <a:bodyPr/>
+          <a:lstStyle/>
+          <a:p>
+            <a:pPr algn="ctr"/>
+            <a:r>
+              <a:rPr lang="en-US" dirty="0" smtClean="0"/>
+              <a:t>Encounter probabilities </a:t>
+            </a:r>
+            <a:endParaRPr lang="en-US" dirty="0"/>
+          </a:p>
+        </p:txBody>
+      </p:sp>
+      <p:pic>
+        <p:nvPicPr>
+          <p:cNvPr id="5" name="Content Placeholder 4"/>
+          <p:cNvPicPr>
+            <a:picLocks noGrp="1" noChangeAspect="1"/>
+          </p:cNvPicPr>
+          <p:nvPr>
+            <p:ph idx="1"/>
+          </p:nvPr>
+        </p:nvPicPr>
+        <p:blipFill>
+          <a:blip r:embed="rId2" cstate="print">
+            <a:extLst>
+              <a:ext uri="{28A0092B-C50C-407E-A947-70E740481C1C}">
+                <a14:useLocalDpi xmlns:a14="http://schemas.microsoft.com/office/drawing/2010/main" val="0"/>
+              </a:ext>
+            </a:extLst>
+          </a:blip>
+          <a:stretch>
+            <a:fillRect/>
+          </a:stretch>
+        </p:blipFill>
+        <p:spPr>
+          <a:xfrm>
+            <a:off x="5514188" y="2968825"/>
+            <a:ext cx="5675489" cy="2996523"/>
+          </a:xfrm>
+        </p:spPr>
+      </p:pic>
+      <p:sp>
+        <p:nvSpPr>
+          <p:cNvPr id="4" name="Slide Number Placeholder 3"/>
+          <p:cNvSpPr>
+            <a:spLocks noGrp="1"/>
+          </p:cNvSpPr>
+          <p:nvPr>
+            <p:ph type="sldNum" sz="quarter" idx="12"/>
+          </p:nvPr>
+        </p:nvSpPr>
+        <p:spPr/>
+        <p:txBody>
+          <a:bodyPr/>
+          <a:lstStyle/>
+          <a:p>
+            <a:fld id="{5885E35D-D03C-4A4E-A650-32C42C5321BC}" type="slidenum">
+              <a:rPr lang="en-US" smtClean="0"/>
+              <a:t>8</a:t>
+            </a:fld>
+            <a:endParaRPr lang="en-US"/>
+          </a:p>
+        </p:txBody>
+      </p:sp>
+      <p:pic>
+        <p:nvPicPr>
+          <p:cNvPr id="6" name="Picture 5"/>
+          <p:cNvPicPr>
+            <a:picLocks noChangeAspect="1"/>
+          </p:cNvPicPr>
+          <p:nvPr/>
+        </p:nvPicPr>
+        <p:blipFill>
+          <a:blip r:embed="rId3">
+            <a:extLst>
+              <a:ext uri="{28A0092B-C50C-407E-A947-70E740481C1C}">
+                <a14:useLocalDpi xmlns:a14="http://schemas.microsoft.com/office/drawing/2010/main" val="0"/>
+              </a:ext>
+            </a:extLst>
+          </a:blip>
+          <a:stretch>
+            <a:fillRect/>
+          </a:stretch>
+        </p:blipFill>
+        <p:spPr>
+          <a:xfrm>
+            <a:off x="439614" y="1690688"/>
+            <a:ext cx="4684670" cy="3411905"/>
+          </a:xfrm>
+          <a:prstGeom prst="rect">
+            <a:avLst/>
+          </a:prstGeom>
+        </p:spPr>
+      </p:pic>
+      <p:pic>
+        <p:nvPicPr>
+          <p:cNvPr id="7" name="Picture 6"/>
+          <p:cNvPicPr>
+            <a:picLocks noChangeAspect="1"/>
+          </p:cNvPicPr>
+          <p:nvPr/>
+        </p:nvPicPr>
+        <p:blipFill>
+          <a:blip r:embed="rId4" cstate="print">
+            <a:extLst>
+              <a:ext uri="{28A0092B-C50C-407E-A947-70E740481C1C}">
+                <a14:useLocalDpi xmlns:a14="http://schemas.microsoft.com/office/drawing/2010/main" val="0"/>
+              </a:ext>
+            </a:extLst>
+          </a:blip>
+          <a:stretch>
+            <a:fillRect/>
+          </a:stretch>
+        </p:blipFill>
+        <p:spPr>
+          <a:xfrm>
+            <a:off x="7725507" y="1564254"/>
+            <a:ext cx="2497015" cy="1404571"/>
+          </a:xfrm>
+          <a:prstGeom prst="rect">
+            <a:avLst/>
+          </a:prstGeom>
+        </p:spPr>
+      </p:pic>
+    </p:spTree>
+    <p:extLst>
+      <p:ext uri="{BB962C8B-B14F-4D97-AF65-F5344CB8AC3E}">
+        <p14:creationId xmlns:p14="http://schemas.microsoft.com/office/powerpoint/2010/main" val="3571253566"/>
+      </p:ext>
+    </p:extLst>
+  </p:cSld>
+  <p:clrMapOvr>
+    <a:masterClrMapping/>
+  </p:clrMapOvr>
+</p:sld>
+</file>
+
+<file path=ppt/slides/slide9.xml><?xml version="1.0" encoding="utf-8"?>
+<p:sld xmlns:a="http://schemas.openxmlformats.org/drawingml/2006/main" xmlns:r="http://schemas.openxmlformats.org/officeDocument/2006/relationships" xmlns:p="http://schemas.openxmlformats.org/presentationml/2006/main">
+  <p:cSld>
+    <p:spTree>
+      <p:nvGrpSpPr>
+        <p:cNvPr id="1" name=""/>
+        <p:cNvGrpSpPr/>
+        <p:nvPr/>
+      </p:nvGrpSpPr>
+      <p:grpSpPr>
+        <a:xfrm>
+          <a:off x="0" y="0"/>
+          <a:ext cx="0" cy="0"/>
+          <a:chOff x="0" y="0"/>
+          <a:chExt cx="0" cy="0"/>
+        </a:xfrm>
+      </p:grpSpPr>
+      <p:sp>
+        <p:nvSpPr>
+          <p:cNvPr id="2" name="Title 1"/>
+          <p:cNvSpPr>
+            <a:spLocks noGrp="1"/>
+          </p:cNvSpPr>
+          <p:nvPr>
+            <p:ph type="title"/>
+          </p:nvPr>
+        </p:nvSpPr>
         <p:spPr>
           <a:xfrm>
             <a:off x="406400" y="376592"/>
@@ -14424,7 +15152,7 @@
           <a:p>
             <a:fld id="{5885E35D-D03C-4A4E-A650-32C42C5321BC}" type="slidenum">
               <a:rPr lang="en-US" smtClean="0"/>
-              <a:t>8</a:t>
+              <a:t>9</a:t>
             </a:fld>
             <a:endParaRPr lang="en-US"/>
           </a:p>
@@ -14498,188 +15226,6 @@
     <p:extLst>
       <p:ext uri="{BB962C8B-B14F-4D97-AF65-F5344CB8AC3E}">
         <p14:creationId xmlns:p14="http://schemas.microsoft.com/office/powerpoint/2010/main" val="2772793936"/>
-      </p:ext>
-    </p:extLst>
-  </p:cSld>
-  <p:clrMapOvr>
-    <a:masterClrMapping/>
-  </p:clrMapOvr>
-  <p:timing>
-    <p:tnLst>
-      <p:par>
-        <p:cTn id="1" dur="indefinite" restart="never" nodeType="tmRoot"/>
-      </p:par>
-    </p:tnLst>
-  </p:timing>
-</p:sld>
-</file>
-
-<file path=ppt/slides/slide9.xml><?xml version="1.0" encoding="utf-8"?>
-<p:sld xmlns:a="http://schemas.openxmlformats.org/drawingml/2006/main" xmlns:r="http://schemas.openxmlformats.org/officeDocument/2006/relationships" xmlns:p="http://schemas.openxmlformats.org/presentationml/2006/main">
-  <p:cSld>
-    <p:spTree>
-      <p:nvGrpSpPr>
-        <p:cNvPr id="1" name=""/>
-        <p:cNvGrpSpPr/>
-        <p:nvPr/>
-      </p:nvGrpSpPr>
-      <p:grpSpPr>
-        <a:xfrm>
-          <a:off x="0" y="0"/>
-          <a:ext cx="0" cy="0"/>
-          <a:chOff x="0" y="0"/>
-          <a:chExt cx="0" cy="0"/>
-        </a:xfrm>
-      </p:grpSpPr>
-      <p:sp>
-        <p:nvSpPr>
-          <p:cNvPr id="2" name="Title 1"/>
-          <p:cNvSpPr>
-            <a:spLocks noGrp="1"/>
-          </p:cNvSpPr>
-          <p:nvPr>
-            <p:ph type="title"/>
-          </p:nvPr>
-        </p:nvSpPr>
-        <p:spPr>
-          <a:xfrm>
-            <a:off x="609600" y="187325"/>
-            <a:ext cx="10515600" cy="1184275"/>
-          </a:xfrm>
-        </p:spPr>
-        <p:txBody>
-          <a:bodyPr/>
-          <a:lstStyle/>
-          <a:p>
-            <a:pPr algn="ctr"/>
-            <a:r>
-              <a:rPr lang="en-US" dirty="0" smtClean="0"/>
-              <a:t>Noisy encounter signal</a:t>
-            </a:r>
-            <a:endParaRPr lang="en-US" dirty="0"/>
-          </a:p>
-        </p:txBody>
-      </p:sp>
-      <p:sp>
-        <p:nvSpPr>
-          <p:cNvPr id="3" name="Content Placeholder 2"/>
-          <p:cNvSpPr>
-            <a:spLocks noGrp="1"/>
-          </p:cNvSpPr>
-          <p:nvPr>
-            <p:ph idx="1"/>
-          </p:nvPr>
-        </p:nvSpPr>
-        <p:spPr>
-          <a:xfrm>
-            <a:off x="609600" y="1371600"/>
-            <a:ext cx="10515600" cy="4351338"/>
-          </a:xfrm>
-        </p:spPr>
-        <p:txBody>
-          <a:bodyPr/>
-          <a:lstStyle/>
-          <a:p>
-            <a:r>
-              <a:rPr lang="en-US" dirty="0" smtClean="0"/>
-              <a:t>Experimental signal are not “well behaved”.</a:t>
-            </a:r>
-          </a:p>
-          <a:p>
-            <a:r>
-              <a:rPr lang="en-US" dirty="0" smtClean="0"/>
-              <a:t>Missing observations for some beads</a:t>
-            </a:r>
-          </a:p>
-          <a:p>
-            <a:r>
-              <a:rPr lang="en-US" dirty="0" smtClean="0"/>
-              <a:t>The distribution of vectors between beads is the fundamental solution to the diffusion (heat) equation, under Rouse assumption</a:t>
-            </a:r>
-          </a:p>
-          <a:p>
-            <a:r>
-              <a:rPr lang="en-US" dirty="0" smtClean="0"/>
-              <a:t>The composition of fundamental solution is unknown</a:t>
-            </a:r>
-          </a:p>
-          <a:p>
-            <a:r>
-              <a:rPr lang="en-US" dirty="0" smtClean="0"/>
-              <a:t>A theoretical heat source function will help us find it.</a:t>
-            </a:r>
-          </a:p>
-          <a:p>
-            <a:endParaRPr lang="en-US" dirty="0" smtClean="0"/>
-          </a:p>
-          <a:p>
-            <a:endParaRPr lang="en-US" dirty="0" smtClean="0"/>
-          </a:p>
-          <a:p>
-            <a:endParaRPr lang="en-US" dirty="0" smtClean="0"/>
-          </a:p>
-          <a:p>
-            <a:endParaRPr lang="en-US" dirty="0"/>
-          </a:p>
-        </p:txBody>
-      </p:sp>
-      <p:sp>
-        <p:nvSpPr>
-          <p:cNvPr id="4" name="Slide Number Placeholder 3"/>
-          <p:cNvSpPr>
-            <a:spLocks noGrp="1"/>
-          </p:cNvSpPr>
-          <p:nvPr>
-            <p:ph type="sldNum" sz="quarter" idx="12"/>
-          </p:nvPr>
-        </p:nvSpPr>
-        <p:spPr/>
-        <p:txBody>
-          <a:bodyPr/>
-          <a:lstStyle/>
-          <a:p>
-            <a:fld id="{5885E35D-D03C-4A4E-A650-32C42C5321BC}" type="slidenum">
-              <a:rPr lang="en-US" smtClean="0"/>
-              <a:t>9</a:t>
-            </a:fld>
-            <a:endParaRPr lang="en-US" dirty="0"/>
-          </a:p>
-        </p:txBody>
-      </p:sp>
-      <p:pic>
-        <p:nvPicPr>
-          <p:cNvPr id="5" name="Picture 4"/>
-          <p:cNvPicPr>
-            <a:picLocks noChangeAspect="1"/>
-          </p:cNvPicPr>
-          <p:nvPr/>
-        </p:nvPicPr>
-        <p:blipFill>
-          <a:blip r:embed="rId2" cstate="print">
-            <a:extLst>
-              <a:ext uri="{28A0092B-C50C-407E-A947-70E740481C1C}">
-                <a14:useLocalDpi xmlns:a14="http://schemas.microsoft.com/office/drawing/2010/main" val="0"/>
-              </a:ext>
-            </a:extLst>
-          </a:blip>
-          <a:stretch>
-            <a:fillRect/>
-          </a:stretch>
-        </p:blipFill>
-        <p:spPr>
-          <a:xfrm>
-            <a:off x="3630030" y="4356101"/>
-            <a:ext cx="4167770" cy="2551112"/>
-          </a:xfrm>
-          <a:prstGeom prst="rect">
-            <a:avLst/>
-          </a:prstGeom>
-        </p:spPr>
-      </p:pic>
-    </p:spTree>
-    <p:extLst>
-      <p:ext uri="{BB962C8B-B14F-4D97-AF65-F5344CB8AC3E}">
-        <p14:creationId xmlns:p14="http://schemas.microsoft.com/office/powerpoint/2010/main" val="2108107240"/>
       </p:ext>
     </p:extLst>
   </p:cSld>
